--- a/Dokumente/Abschlusspr�sentation.pptx
+++ b/Dokumente/Abschlusspr�sentation.pptx
@@ -5,23 +5,26 @@
     <p:sldMasterId id="2147483744" r:id="rId1"/>
   </p:sldMasterIdLst>
   <p:notesMasterIdLst>
-    <p:notesMasterId r:id="rId16"/>
+    <p:notesMasterId r:id="rId19"/>
   </p:notesMasterIdLst>
   <p:sldIdLst>
     <p:sldId id="256" r:id="rId2"/>
     <p:sldId id="259" r:id="rId3"/>
     <p:sldId id="295" r:id="rId4"/>
-    <p:sldId id="293" r:id="rId5"/>
-    <p:sldId id="260" r:id="rId6"/>
-    <p:sldId id="294" r:id="rId7"/>
-    <p:sldId id="297" r:id="rId8"/>
-    <p:sldId id="296" r:id="rId9"/>
-    <p:sldId id="298" r:id="rId10"/>
-    <p:sldId id="302" r:id="rId11"/>
-    <p:sldId id="301" r:id="rId12"/>
-    <p:sldId id="300" r:id="rId13"/>
-    <p:sldId id="303" r:id="rId14"/>
-    <p:sldId id="290" r:id="rId15"/>
+    <p:sldId id="304" r:id="rId5"/>
+    <p:sldId id="293" r:id="rId6"/>
+    <p:sldId id="260" r:id="rId7"/>
+    <p:sldId id="294" r:id="rId8"/>
+    <p:sldId id="298" r:id="rId9"/>
+    <p:sldId id="305" r:id="rId10"/>
+    <p:sldId id="297" r:id="rId11"/>
+    <p:sldId id="306" r:id="rId12"/>
+    <p:sldId id="296" r:id="rId13"/>
+    <p:sldId id="307" r:id="rId14"/>
+    <p:sldId id="301" r:id="rId15"/>
+    <p:sldId id="300" r:id="rId16"/>
+    <p:sldId id="303" r:id="rId17"/>
+    <p:sldId id="290" r:id="rId18"/>
   </p:sldIdLst>
   <p:sldSz cx="9144000" cy="6858000" type="screen4x3"/>
   <p:notesSz cx="6858000" cy="9144000"/>
@@ -129,6 +132,19 @@
 </p:cmAuthorLst>
 </file>
 
+<file path=ppt/comments/comment1.xml><?xml version="1.0" encoding="utf-8"?>
+<p:cmLst xmlns:a="http://schemas.openxmlformats.org/drawingml/2006/main" xmlns:r="http://schemas.openxmlformats.org/officeDocument/2006/relationships" xmlns:p="http://schemas.openxmlformats.org/presentationml/2006/main">
+  <p:cm authorId="1" dt="2012-05-08T17:28:04.125" idx="1">
+    <p:pos x="5284" y="1706"/>
+    <p:text>Ändern
+FST ist nur Inception und Elaboration, daher den Projektplan dementsprechend anpassen
+Elaboration Phasen länger ziehen 
+Konstruktion Phase nur 1, dann Einführung und Inbetriebnahme
+bei uns ist Konstruktion Phase = Reflexionsbericht-Phase</p:text>
+  </p:cm>
+</p:cmLst>
+</file>
+
 <file path=ppt/notesMasters/notesMaster1.xml><?xml version="1.0" encoding="utf-8"?>
 <p:notesMaster xmlns:a="http://schemas.openxmlformats.org/drawingml/2006/main" xmlns:r="http://schemas.openxmlformats.org/officeDocument/2006/relationships" xmlns:p="http://schemas.openxmlformats.org/presentationml/2006/main">
   <p:cSld>
@@ -212,7 +228,7 @@
             <a:fld id="{5FA7A704-9F1C-4FD3-85D1-57AF2D7FD0E8}" type="datetimeFigureOut">
               <a:rPr lang="en-US" smtClean="0"/>
               <a:pPr/>
-              <a:t>5/7/2012</a:t>
+              <a:t>5/8/2012</a:t>
             </a:fld>
             <a:endParaRPr lang="en-US" dirty="0"/>
           </a:p>
@@ -383,7 +399,7 @@
     </p:spTree>
     <p:extLst>
       <p:ext uri="{BB962C8B-B14F-4D97-AF65-F5344CB8AC3E}">
-        <p14:creationId xmlns:p14="http://schemas.microsoft.com/office/powerpoint/2010/main" val="2610097957"/>
+        <p14:creationId xmlns:p14="http://schemas.microsoft.com/office/powerpoint/2010/main" xmlns="" val="2610097957"/>
       </p:ext>
     </p:extLst>
   </p:cSld>
@@ -558,7 +574,7 @@
     </p:spTree>
     <p:extLst>
       <p:ext uri="{BB962C8B-B14F-4D97-AF65-F5344CB8AC3E}">
-        <p14:creationId xmlns:p14="http://schemas.microsoft.com/office/powerpoint/2010/main" val="2116472317"/>
+        <p14:creationId xmlns:p14="http://schemas.microsoft.com/office/powerpoint/2010/main" xmlns="" val="2116472317"/>
       </p:ext>
     </p:extLst>
   </p:cSld>
@@ -612,6 +628,46 @@
           <a:bodyPr/>
           <a:lstStyle/>
           <a:p>
+            <a:r>
+              <a:rPr lang="de-DE" dirty="0" smtClean="0"/>
+              <a:t>Zeitplan</a:t>
+            </a:r>
+          </a:p>
+          <a:p>
+            <a:r>
+              <a:rPr lang="de-DE" dirty="0" smtClean="0"/>
+              <a:t>Fokus aus </a:t>
+            </a:r>
+            <a:r>
+              <a:rPr lang="de-DE" dirty="0" err="1" smtClean="0"/>
+              <a:t>Inception</a:t>
+            </a:r>
+            <a:r>
+              <a:rPr lang="de-DE" dirty="0" smtClean="0"/>
+              <a:t> / Elaboration</a:t>
+            </a:r>
+          </a:p>
+          <a:p>
+            <a:r>
+              <a:rPr lang="de-DE" dirty="0" smtClean="0"/>
+              <a:t>Aufgrund der Enge des Zeitplans jeweils zwei Iterationen mit</a:t>
+            </a:r>
+            <a:r>
+              <a:rPr lang="de-DE" baseline="0" dirty="0" smtClean="0"/>
+              <a:t> festen Reviews der Ergebnisse etc.</a:t>
+            </a:r>
+          </a:p>
+          <a:p>
+            <a:r>
+              <a:rPr lang="de-DE" baseline="0" dirty="0" smtClean="0"/>
+              <a:t>Aber auch: RUP! Jederzeit auch bei kleineren Änderungen/Feststellungen usw. Überarbeitung.</a:t>
+            </a:r>
+          </a:p>
+          <a:p>
+            <a:r>
+              <a:rPr lang="de-DE" baseline="0" dirty="0" smtClean="0"/>
+              <a:t>Ziel: 11.06. eine prototypische Implementierung der Plattform fertigstellen</a:t>
+            </a:r>
             <a:endParaRPr lang="de-DE" dirty="0"/>
           </a:p>
         </p:txBody>
@@ -643,7 +699,174 @@
     </p:spTree>
     <p:extLst>
       <p:ext uri="{BB962C8B-B14F-4D97-AF65-F5344CB8AC3E}">
-        <p14:creationId xmlns:p14="http://schemas.microsoft.com/office/powerpoint/2010/main" val="2116472317"/>
+        <p14:creationId xmlns:p14="http://schemas.microsoft.com/office/powerpoint/2010/main" xmlns="" val="3931682397"/>
+      </p:ext>
+    </p:extLst>
+  </p:cSld>
+  <p:clrMapOvr>
+    <a:masterClrMapping/>
+  </p:clrMapOvr>
+</p:notes>
+</file>
+
+<file path=ppt/notesSlides/notesSlide11.xml><?xml version="1.0" encoding="utf-8"?>
+<p:notes xmlns:a="http://schemas.openxmlformats.org/drawingml/2006/main" xmlns:r="http://schemas.openxmlformats.org/officeDocument/2006/relationships" xmlns:p="http://schemas.openxmlformats.org/presentationml/2006/main">
+  <p:cSld>
+    <p:spTree>
+      <p:nvGrpSpPr>
+        <p:cNvPr id="1" name=""/>
+        <p:cNvGrpSpPr/>
+        <p:nvPr/>
+      </p:nvGrpSpPr>
+      <p:grpSpPr>
+        <a:xfrm>
+          <a:off x="0" y="0"/>
+          <a:ext cx="0" cy="0"/>
+          <a:chOff x="0" y="0"/>
+          <a:chExt cx="0" cy="0"/>
+        </a:xfrm>
+      </p:grpSpPr>
+      <p:sp>
+        <p:nvSpPr>
+          <p:cNvPr id="2" name="Folienbildplatzhalter 1"/>
+          <p:cNvSpPr>
+            <a:spLocks noGrp="1" noRot="1" noChangeAspect="1"/>
+          </p:cNvSpPr>
+          <p:nvPr>
+            <p:ph type="sldImg"/>
+          </p:nvPr>
+        </p:nvSpPr>
+        <p:spPr/>
+      </p:sp>
+      <p:sp>
+        <p:nvSpPr>
+          <p:cNvPr id="3" name="Notizenplatzhalter 2"/>
+          <p:cNvSpPr>
+            <a:spLocks noGrp="1"/>
+          </p:cNvSpPr>
+          <p:nvPr>
+            <p:ph type="body" idx="1"/>
+          </p:nvPr>
+        </p:nvSpPr>
+        <p:spPr/>
+        <p:txBody>
+          <a:bodyPr>
+            <a:normAutofit/>
+          </a:bodyPr>
+          <a:lstStyle/>
+          <a:p>
+            <a:endParaRPr lang="de-DE" dirty="0"/>
+          </a:p>
+        </p:txBody>
+      </p:sp>
+      <p:sp>
+        <p:nvSpPr>
+          <p:cNvPr id="4" name="Foliennummernplatzhalter 3"/>
+          <p:cNvSpPr>
+            <a:spLocks noGrp="1"/>
+          </p:cNvSpPr>
+          <p:nvPr>
+            <p:ph type="sldNum" sz="quarter" idx="10"/>
+          </p:nvPr>
+        </p:nvSpPr>
+        <p:spPr/>
+        <p:txBody>
+          <a:bodyPr/>
+          <a:lstStyle/>
+          <a:p>
+            <a:fld id="{1EBFF01C-F984-4A51-AF10-254043F7C542}" type="slidenum">
+              <a:rPr lang="de-DE" smtClean="0"/>
+              <a:pPr/>
+              <a:t>16</a:t>
+            </a:fld>
+            <a:endParaRPr lang="de-DE"/>
+          </a:p>
+        </p:txBody>
+      </p:sp>
+    </p:spTree>
+  </p:cSld>
+  <p:clrMapOvr>
+    <a:masterClrMapping/>
+  </p:clrMapOvr>
+</p:notes>
+</file>
+
+<file path=ppt/notesSlides/notesSlide12.xml><?xml version="1.0" encoding="utf-8"?>
+<p:notes xmlns:a="http://schemas.openxmlformats.org/drawingml/2006/main" xmlns:r="http://schemas.openxmlformats.org/officeDocument/2006/relationships" xmlns:p="http://schemas.openxmlformats.org/presentationml/2006/main">
+  <p:cSld>
+    <p:spTree>
+      <p:nvGrpSpPr>
+        <p:cNvPr id="1" name=""/>
+        <p:cNvGrpSpPr/>
+        <p:nvPr/>
+      </p:nvGrpSpPr>
+      <p:grpSpPr>
+        <a:xfrm>
+          <a:off x="0" y="0"/>
+          <a:ext cx="0" cy="0"/>
+          <a:chOff x="0" y="0"/>
+          <a:chExt cx="0" cy="0"/>
+        </a:xfrm>
+      </p:grpSpPr>
+      <p:sp>
+        <p:nvSpPr>
+          <p:cNvPr id="2" name="Folienbildplatzhalter 1"/>
+          <p:cNvSpPr>
+            <a:spLocks noGrp="1" noRot="1" noChangeAspect="1"/>
+          </p:cNvSpPr>
+          <p:nvPr>
+            <p:ph type="sldImg"/>
+          </p:nvPr>
+        </p:nvSpPr>
+        <p:spPr/>
+      </p:sp>
+      <p:sp>
+        <p:nvSpPr>
+          <p:cNvPr id="3" name="Notizenplatzhalter 2"/>
+          <p:cNvSpPr>
+            <a:spLocks noGrp="1"/>
+          </p:cNvSpPr>
+          <p:nvPr>
+            <p:ph type="body" idx="1"/>
+          </p:nvPr>
+        </p:nvSpPr>
+        <p:spPr/>
+        <p:txBody>
+          <a:bodyPr/>
+          <a:lstStyle/>
+          <a:p>
+            <a:endParaRPr lang="de-DE" dirty="0"/>
+          </a:p>
+        </p:txBody>
+      </p:sp>
+      <p:sp>
+        <p:nvSpPr>
+          <p:cNvPr id="4" name="Foliennummernplatzhalter 3"/>
+          <p:cNvSpPr>
+            <a:spLocks noGrp="1"/>
+          </p:cNvSpPr>
+          <p:nvPr>
+            <p:ph type="sldNum" sz="quarter" idx="10"/>
+          </p:nvPr>
+        </p:nvSpPr>
+        <p:spPr/>
+        <p:txBody>
+          <a:bodyPr/>
+          <a:lstStyle/>
+          <a:p>
+            <a:fld id="{F7EBFB8C-BBFF-4397-A51C-1E92596422A9}" type="slidenum">
+              <a:rPr lang="en-US" smtClean="0"/>
+              <a:pPr/>
+              <a:t>17</a:t>
+            </a:fld>
+            <a:endParaRPr lang="en-US" dirty="0"/>
+          </a:p>
+        </p:txBody>
+      </p:sp>
+    </p:spTree>
+    <p:extLst>
+      <p:ext uri="{BB962C8B-B14F-4D97-AF65-F5344CB8AC3E}">
+        <p14:creationId xmlns:p14="http://schemas.microsoft.com/office/powerpoint/2010/main" xmlns="" val="2116472317"/>
       </p:ext>
     </p:extLst>
   </p:cSld>
@@ -728,7 +951,7 @@
     </p:spTree>
     <p:extLst>
       <p:ext uri="{BB962C8B-B14F-4D97-AF65-F5344CB8AC3E}">
-        <p14:creationId xmlns:p14="http://schemas.microsoft.com/office/powerpoint/2010/main" val="517533983"/>
+        <p14:creationId xmlns:p14="http://schemas.microsoft.com/office/powerpoint/2010/main" xmlns="" val="517533983"/>
       </p:ext>
     </p:extLst>
   </p:cSld>
@@ -1138,7 +1361,7 @@
     </p:spTree>
     <p:extLst>
       <p:ext uri="{BB962C8B-B14F-4D97-AF65-F5344CB8AC3E}">
-        <p14:creationId xmlns:p14="http://schemas.microsoft.com/office/powerpoint/2010/main" val="2934279750"/>
+        <p14:creationId xmlns:p14="http://schemas.microsoft.com/office/powerpoint/2010/main" xmlns="" val="2934279750"/>
       </p:ext>
     </p:extLst>
   </p:cSld>
@@ -1548,7 +1771,7 @@
     </p:spTree>
     <p:extLst>
       <p:ext uri="{BB962C8B-B14F-4D97-AF65-F5344CB8AC3E}">
-        <p14:creationId xmlns:p14="http://schemas.microsoft.com/office/powerpoint/2010/main" val="2934279750"/>
+        <p14:creationId xmlns:p14="http://schemas.microsoft.com/office/powerpoint/2010/main" xmlns="" val="2934279750"/>
       </p:ext>
     </p:extLst>
   </p:cSld>
@@ -1602,6 +1825,331 @@
           <a:bodyPr/>
           <a:lstStyle/>
           <a:p>
+            <a:r>
+              <a:rPr lang="de-DE" dirty="0" smtClean="0"/>
+              <a:t>Funktionale Anforderung per </a:t>
+            </a:r>
+            <a:r>
+              <a:rPr lang="de-DE" dirty="0" err="1" smtClean="0"/>
+              <a:t>Mockup</a:t>
+            </a:r>
+            <a:r>
+              <a:rPr lang="de-DE" dirty="0" smtClean="0"/>
+              <a:t> dargestellt und textuell ergänzt:</a:t>
+            </a:r>
+          </a:p>
+          <a:p>
+            <a:r>
+              <a:rPr lang="de-DE" sz="1200" kern="1200" dirty="0" smtClean="0">
+                <a:solidFill>
+                  <a:schemeClr val="tx1"/>
+                </a:solidFill>
+                <a:effectLst/>
+                <a:latin typeface="+mn-lt"/>
+                <a:ea typeface="+mn-ea"/>
+                <a:cs typeface="+mn-cs"/>
+              </a:rPr>
+              <a:t>Der beliebiger Internetnutzer kann sich über </a:t>
+            </a:r>
+            <a:r>
+              <a:rPr lang="de-DE" sz="1200" kern="1200" dirty="0" err="1" smtClean="0">
+                <a:solidFill>
+                  <a:schemeClr val="tx1"/>
+                </a:solidFill>
+                <a:effectLst/>
+                <a:latin typeface="+mn-lt"/>
+                <a:ea typeface="+mn-ea"/>
+                <a:cs typeface="+mn-cs"/>
+              </a:rPr>
+              <a:t>oAuth</a:t>
+            </a:r>
+            <a:r>
+              <a:rPr lang="de-DE" sz="1200" kern="1200" dirty="0" smtClean="0">
+                <a:solidFill>
+                  <a:schemeClr val="tx1"/>
+                </a:solidFill>
+                <a:effectLst/>
+                <a:latin typeface="+mn-lt"/>
+                <a:ea typeface="+mn-ea"/>
+                <a:cs typeface="+mn-cs"/>
+              </a:rPr>
+              <a:t> (Google oder Facebook-Account) auf der folgenden Eingabemaske an der Internetplattform </a:t>
+            </a:r>
+            <a:r>
+              <a:rPr lang="de-DE" sz="1200" kern="1200" dirty="0" err="1" smtClean="0">
+                <a:solidFill>
+                  <a:schemeClr val="tx1"/>
+                </a:solidFill>
+                <a:effectLst/>
+                <a:latin typeface="+mn-lt"/>
+                <a:ea typeface="+mn-ea"/>
+                <a:cs typeface="+mn-cs"/>
+              </a:rPr>
+              <a:t>Eventalizer</a:t>
+            </a:r>
+            <a:r>
+              <a:rPr lang="de-DE" sz="1200" kern="1200" dirty="0" smtClean="0">
+                <a:solidFill>
+                  <a:schemeClr val="tx1"/>
+                </a:solidFill>
+                <a:effectLst/>
+                <a:latin typeface="+mn-lt"/>
+                <a:ea typeface="+mn-ea"/>
+                <a:cs typeface="+mn-cs"/>
+              </a:rPr>
+              <a:t> anmelden:</a:t>
+            </a:r>
+            <a:br>
+              <a:rPr lang="de-DE" sz="1200" kern="1200" dirty="0" smtClean="0">
+                <a:solidFill>
+                  <a:schemeClr val="tx1"/>
+                </a:solidFill>
+                <a:effectLst/>
+                <a:latin typeface="+mn-lt"/>
+                <a:ea typeface="+mn-ea"/>
+                <a:cs typeface="+mn-cs"/>
+              </a:rPr>
+            </a:br>
+            <a:r>
+              <a:rPr lang="de-DE" sz="1200" kern="1200" dirty="0" smtClean="0">
+                <a:solidFill>
+                  <a:schemeClr val="tx1"/>
+                </a:solidFill>
+                <a:effectLst/>
+                <a:latin typeface="+mn-lt"/>
+                <a:ea typeface="+mn-ea"/>
+                <a:cs typeface="+mn-cs"/>
+              </a:rPr>
+              <a:t> </a:t>
+            </a:r>
+            <a:br>
+              <a:rPr lang="de-DE" sz="1200" kern="1200" dirty="0" smtClean="0">
+                <a:solidFill>
+                  <a:schemeClr val="tx1"/>
+                </a:solidFill>
+                <a:effectLst/>
+                <a:latin typeface="+mn-lt"/>
+                <a:ea typeface="+mn-ea"/>
+                <a:cs typeface="+mn-cs"/>
+              </a:rPr>
+            </a:br>
+            <a:r>
+              <a:rPr lang="de-DE" sz="1200" kern="1200" dirty="0" smtClean="0">
+                <a:solidFill>
+                  <a:schemeClr val="tx1"/>
+                </a:solidFill>
+                <a:effectLst/>
+                <a:latin typeface="+mn-lt"/>
+                <a:ea typeface="+mn-ea"/>
+                <a:cs typeface="+mn-cs"/>
+              </a:rPr>
+              <a:t>Für eine erfolgreiche Anmeldung ist die Angabe der folgenden Informationen notwendig:</a:t>
+            </a:r>
+          </a:p>
+          <a:p>
+            <a:pPr lvl="0"/>
+            <a:r>
+              <a:rPr lang="de-DE" sz="1200" kern="1200" dirty="0" err="1" smtClean="0">
+                <a:solidFill>
+                  <a:schemeClr val="tx1"/>
+                </a:solidFill>
+                <a:effectLst/>
+                <a:latin typeface="+mn-lt"/>
+                <a:ea typeface="+mn-ea"/>
+                <a:cs typeface="+mn-cs"/>
+              </a:rPr>
+              <a:t>Social</a:t>
+            </a:r>
+            <a:r>
+              <a:rPr lang="de-DE" sz="1200" kern="1200" dirty="0" smtClean="0">
+                <a:solidFill>
+                  <a:schemeClr val="tx1"/>
+                </a:solidFill>
+                <a:effectLst/>
+                <a:latin typeface="+mn-lt"/>
+                <a:ea typeface="+mn-ea"/>
+                <a:cs typeface="+mn-cs"/>
+              </a:rPr>
+              <a:t>-Network-Anbieter</a:t>
+            </a:r>
+          </a:p>
+          <a:p>
+            <a:pPr lvl="0"/>
+            <a:r>
+              <a:rPr lang="de-DE" sz="1200" kern="1200" dirty="0" smtClean="0">
+                <a:solidFill>
+                  <a:schemeClr val="tx1"/>
+                </a:solidFill>
+                <a:effectLst/>
+                <a:latin typeface="+mn-lt"/>
+                <a:ea typeface="+mn-ea"/>
+                <a:cs typeface="+mn-cs"/>
+              </a:rPr>
+              <a:t>Der dort verwendete Benutzername</a:t>
+            </a:r>
+          </a:p>
+          <a:p>
+            <a:pPr lvl="0"/>
+            <a:r>
+              <a:rPr lang="de-DE" sz="1200" kern="1200" dirty="0" smtClean="0">
+                <a:solidFill>
+                  <a:schemeClr val="tx1"/>
+                </a:solidFill>
+                <a:effectLst/>
+                <a:latin typeface="+mn-lt"/>
+                <a:ea typeface="+mn-ea"/>
+                <a:cs typeface="+mn-cs"/>
+              </a:rPr>
+              <a:t>Das dort verwendete persönliche Passwort</a:t>
+            </a:r>
+          </a:p>
+          <a:p>
+            <a:r>
+              <a:rPr lang="de-DE" sz="1200" kern="1200" dirty="0" smtClean="0">
+                <a:solidFill>
+                  <a:schemeClr val="tx1"/>
+                </a:solidFill>
+                <a:effectLst/>
+                <a:latin typeface="+mn-lt"/>
+                <a:ea typeface="+mn-ea"/>
+                <a:cs typeface="+mn-cs"/>
+              </a:rPr>
+              <a:t>Die möglichen </a:t>
+            </a:r>
+            <a:r>
+              <a:rPr lang="de-DE" sz="1200" kern="1200" dirty="0" err="1" smtClean="0">
+                <a:solidFill>
+                  <a:schemeClr val="tx1"/>
+                </a:solidFill>
+                <a:effectLst/>
+                <a:latin typeface="+mn-lt"/>
+                <a:ea typeface="+mn-ea"/>
+                <a:cs typeface="+mn-cs"/>
+              </a:rPr>
+              <a:t>Social</a:t>
+            </a:r>
+            <a:r>
+              <a:rPr lang="de-DE" sz="1200" kern="1200" dirty="0" smtClean="0">
+                <a:solidFill>
+                  <a:schemeClr val="tx1"/>
+                </a:solidFill>
+                <a:effectLst/>
+                <a:latin typeface="+mn-lt"/>
+                <a:ea typeface="+mn-ea"/>
+                <a:cs typeface="+mn-cs"/>
+              </a:rPr>
+              <a:t>-Network-Anbieter werden auf der Eingabemaske aufgeführt. </a:t>
+            </a:r>
+            <a:br>
+              <a:rPr lang="de-DE" sz="1200" kern="1200" dirty="0" smtClean="0">
+                <a:solidFill>
+                  <a:schemeClr val="tx1"/>
+                </a:solidFill>
+                <a:effectLst/>
+                <a:latin typeface="+mn-lt"/>
+                <a:ea typeface="+mn-ea"/>
+                <a:cs typeface="+mn-cs"/>
+              </a:rPr>
+            </a:br>
+            <a:r>
+              <a:rPr lang="de-DE" sz="1200" kern="1200" dirty="0" smtClean="0">
+                <a:solidFill>
+                  <a:schemeClr val="tx1"/>
+                </a:solidFill>
+                <a:effectLst/>
+                <a:latin typeface="+mn-lt"/>
+                <a:ea typeface="+mn-ea"/>
+                <a:cs typeface="+mn-cs"/>
+              </a:rPr>
+              <a:t>Die Anmeldung an der Internetplattform ist erfolgreich, wenn die Antwort des </a:t>
+            </a:r>
+            <a:r>
+              <a:rPr lang="de-DE" sz="1200" kern="1200" dirty="0" err="1" smtClean="0">
+                <a:solidFill>
+                  <a:schemeClr val="tx1"/>
+                </a:solidFill>
+                <a:effectLst/>
+                <a:latin typeface="+mn-lt"/>
+                <a:ea typeface="+mn-ea"/>
+                <a:cs typeface="+mn-cs"/>
+              </a:rPr>
+              <a:t>Social</a:t>
+            </a:r>
+            <a:r>
+              <a:rPr lang="de-DE" sz="1200" kern="1200" dirty="0" smtClean="0">
+                <a:solidFill>
+                  <a:schemeClr val="tx1"/>
+                </a:solidFill>
+                <a:effectLst/>
+                <a:latin typeface="+mn-lt"/>
+                <a:ea typeface="+mn-ea"/>
+                <a:cs typeface="+mn-cs"/>
+              </a:rPr>
+              <a:t>-Network-Anbieters positiv ist, d.h. ist der Benutzer dort authentifiziert wurde und die Benutzerdaten übermittelt worden sind. Kann der Benutzer nicht über den </a:t>
+            </a:r>
+            <a:r>
+              <a:rPr lang="de-DE" sz="1200" kern="1200" dirty="0" err="1" smtClean="0">
+                <a:solidFill>
+                  <a:schemeClr val="tx1"/>
+                </a:solidFill>
+                <a:effectLst/>
+                <a:latin typeface="+mn-lt"/>
+                <a:ea typeface="+mn-ea"/>
+                <a:cs typeface="+mn-cs"/>
+              </a:rPr>
+              <a:t>Social</a:t>
+            </a:r>
+            <a:r>
+              <a:rPr lang="de-DE" sz="1200" kern="1200" dirty="0" smtClean="0">
+                <a:solidFill>
+                  <a:schemeClr val="tx1"/>
+                </a:solidFill>
+                <a:effectLst/>
+                <a:latin typeface="+mn-lt"/>
+                <a:ea typeface="+mn-ea"/>
+                <a:cs typeface="+mn-cs"/>
+              </a:rPr>
+              <a:t>-Network-Anbieter authentifiziert werden, erfolgt auch keine Anmeldung.</a:t>
+            </a:r>
+          </a:p>
+          <a:p>
+            <a:r>
+              <a:rPr lang="de-DE" sz="1200" kern="1200" dirty="0" smtClean="0">
+                <a:solidFill>
+                  <a:schemeClr val="tx1"/>
+                </a:solidFill>
+                <a:effectLst/>
+                <a:latin typeface="+mn-lt"/>
+                <a:ea typeface="+mn-ea"/>
+                <a:cs typeface="+mn-cs"/>
+              </a:rPr>
+              <a:t/>
+            </a:r>
+            <a:br>
+              <a:rPr lang="de-DE" sz="1200" kern="1200" dirty="0" smtClean="0">
+                <a:solidFill>
+                  <a:schemeClr val="tx1"/>
+                </a:solidFill>
+                <a:effectLst/>
+                <a:latin typeface="+mn-lt"/>
+                <a:ea typeface="+mn-ea"/>
+                <a:cs typeface="+mn-cs"/>
+              </a:rPr>
+            </a:br>
+            <a:r>
+              <a:rPr lang="de-DE" sz="1200" kern="1200" dirty="0" smtClean="0">
+                <a:solidFill>
+                  <a:schemeClr val="tx1"/>
+                </a:solidFill>
+                <a:effectLst/>
+                <a:latin typeface="+mn-lt"/>
+                <a:ea typeface="+mn-ea"/>
+                <a:cs typeface="+mn-cs"/>
+              </a:rPr>
+              <a:t>@FSM:  Updaten</a:t>
+            </a:r>
+          </a:p>
+          <a:p>
             <a:endParaRPr lang="de-DE" dirty="0"/>
           </a:p>
         </p:txBody>
@@ -1621,19 +2169,19 @@
           <a:bodyPr/>
           <a:lstStyle/>
           <a:p>
-            <a:fld id="{1EBFF01C-F984-4A51-AF10-254043F7C542}" type="slidenum">
-              <a:rPr lang="de-DE" smtClean="0"/>
+            <a:fld id="{F7EBFB8C-BBFF-4397-A51C-1E92596422A9}" type="slidenum">
+              <a:rPr lang="en-US" smtClean="0"/>
               <a:pPr/>
               <a:t>5</a:t>
             </a:fld>
-            <a:endParaRPr lang="de-DE"/>
+            <a:endParaRPr lang="en-US" dirty="0"/>
           </a:p>
         </p:txBody>
       </p:sp>
     </p:spTree>
     <p:extLst>
       <p:ext uri="{BB962C8B-B14F-4D97-AF65-F5344CB8AC3E}">
-        <p14:creationId xmlns:p14="http://schemas.microsoft.com/office/powerpoint/2010/main" val="3860513045"/>
+        <p14:creationId xmlns:p14="http://schemas.microsoft.com/office/powerpoint/2010/main" xmlns="" val="2934279750"/>
       </p:ext>
     </p:extLst>
   </p:cSld>
@@ -1687,54 +2235,6 @@
           <a:bodyPr/>
           <a:lstStyle/>
           <a:p>
-            <a:r>
-              <a:rPr lang="de-DE" dirty="0" smtClean="0"/>
-              <a:t>Blau: Event </a:t>
-            </a:r>
-            <a:r>
-              <a:rPr lang="de-DE" dirty="0" err="1" smtClean="0"/>
-              <a:t>anlage</a:t>
-            </a:r>
-            <a:endParaRPr lang="de-DE" dirty="0" smtClean="0"/>
-          </a:p>
-          <a:p>
-            <a:r>
-              <a:rPr lang="de-DE" dirty="0" smtClean="0"/>
-              <a:t>DB Table Event, </a:t>
-            </a:r>
-            <a:r>
-              <a:rPr lang="de-DE" dirty="0" err="1" smtClean="0"/>
-              <a:t>normaliserte</a:t>
-            </a:r>
-            <a:r>
-              <a:rPr lang="de-DE" baseline="0" dirty="0" smtClean="0"/>
-              <a:t> Teilnehmerliste und Ort</a:t>
-            </a:r>
-          </a:p>
-          <a:p>
-            <a:endParaRPr lang="de-DE" baseline="0" dirty="0" smtClean="0"/>
-          </a:p>
-          <a:p>
-            <a:r>
-              <a:rPr lang="de-DE" baseline="0" dirty="0" smtClean="0"/>
-              <a:t>Rot: Login Verknüpfung Session ID aus </a:t>
-            </a:r>
-            <a:r>
-              <a:rPr lang="de-DE" baseline="0" dirty="0" err="1" smtClean="0"/>
-              <a:t>oAuth</a:t>
-            </a:r>
-            <a:r>
-              <a:rPr lang="de-DE" baseline="0" dirty="0" smtClean="0"/>
-              <a:t>, Grunddaten (</a:t>
-            </a:r>
-            <a:r>
-              <a:rPr lang="de-DE" baseline="0" dirty="0" err="1" smtClean="0"/>
-              <a:t>name</a:t>
-            </a:r>
-            <a:r>
-              <a:rPr lang="de-DE" baseline="0" dirty="0" smtClean="0"/>
-              <a:t>, E-Mail-Adresse etc.) werden ausgelesen und persistent gespeichert.</a:t>
-            </a:r>
             <a:endParaRPr lang="de-DE" dirty="0"/>
           </a:p>
         </p:txBody>
@@ -1754,19 +2254,19 @@
           <a:bodyPr/>
           <a:lstStyle/>
           <a:p>
-            <a:fld id="{F7EBFB8C-BBFF-4397-A51C-1E92596422A9}" type="slidenum">
-              <a:rPr lang="en-US" smtClean="0"/>
+            <a:fld id="{1EBFF01C-F984-4A51-AF10-254043F7C542}" type="slidenum">
+              <a:rPr lang="de-DE" smtClean="0"/>
               <a:pPr/>
-              <a:t>8</a:t>
+              <a:t>6</a:t>
             </a:fld>
-            <a:endParaRPr lang="en-US" dirty="0"/>
+            <a:endParaRPr lang="de-DE"/>
           </a:p>
         </p:txBody>
       </p:sp>
     </p:spTree>
     <p:extLst>
       <p:ext uri="{BB962C8B-B14F-4D97-AF65-F5344CB8AC3E}">
-        <p14:creationId xmlns:p14="http://schemas.microsoft.com/office/powerpoint/2010/main" val="802076649"/>
+        <p14:creationId xmlns:p14="http://schemas.microsoft.com/office/powerpoint/2010/main" xmlns="" val="3860513045"/>
       </p:ext>
     </p:extLst>
   </p:cSld>
@@ -1876,7 +2376,7 @@
             <a:fld id="{F7EBFB8C-BBFF-4397-A51C-1E92596422A9}" type="slidenum">
               <a:rPr lang="en-US" smtClean="0"/>
               <a:pPr/>
-              <a:t>9</a:t>
+              <a:t>8</a:t>
             </a:fld>
             <a:endParaRPr lang="en-US" dirty="0"/>
           </a:p>
@@ -1885,7 +2385,7 @@
     </p:spTree>
     <p:extLst>
       <p:ext uri="{BB962C8B-B14F-4D97-AF65-F5344CB8AC3E}">
-        <p14:creationId xmlns:p14="http://schemas.microsoft.com/office/powerpoint/2010/main" val="135288531"/>
+        <p14:creationId xmlns:p14="http://schemas.microsoft.com/office/powerpoint/2010/main" xmlns="" val="135288531"/>
       </p:ext>
     </p:extLst>
   </p:cSld>
@@ -1941,43 +2441,51 @@
           <a:p>
             <a:r>
               <a:rPr lang="de-DE" dirty="0" smtClean="0"/>
-              <a:t>Zeitplan</a:t>
-            </a:r>
+              <a:t>Blau: Event </a:t>
+            </a:r>
+            <a:r>
+              <a:rPr lang="de-DE" dirty="0" err="1" smtClean="0"/>
+              <a:t>anlage</a:t>
+            </a:r>
+            <a:endParaRPr lang="de-DE" dirty="0" smtClean="0"/>
           </a:p>
           <a:p>
             <a:r>
               <a:rPr lang="de-DE" dirty="0" smtClean="0"/>
-              <a:t>Fokus aus </a:t>
+              <a:t>DB Table Event, </a:t>
             </a:r>
             <a:r>
               <a:rPr lang="de-DE" dirty="0" err="1" smtClean="0"/>
-              <a:t>Inception</a:t>
-            </a:r>
-            <a:r>
-              <a:rPr lang="de-DE" dirty="0" smtClean="0"/>
-              <a:t> / Elaboration</a:t>
-            </a:r>
-          </a:p>
-          <a:p>
-            <a:r>
-              <a:rPr lang="de-DE" dirty="0" smtClean="0"/>
-              <a:t>Aufgrund der Enge des Zeitplans jeweils zwei Iterationen mit</a:t>
+              <a:t>normaliserte</a:t>
             </a:r>
             <a:r>
               <a:rPr lang="de-DE" baseline="0" dirty="0" smtClean="0"/>
-              <a:t> festen Reviews der Ergebnisse etc.</a:t>
-            </a:r>
+              <a:t> Teilnehmerliste und Ort</a:t>
+            </a:r>
+          </a:p>
+          <a:p>
+            <a:endParaRPr lang="de-DE" baseline="0" dirty="0" smtClean="0"/>
           </a:p>
           <a:p>
             <a:r>
               <a:rPr lang="de-DE" baseline="0" dirty="0" smtClean="0"/>
-              <a:t>Aber auch: RUP! Jederzeit auch bei kleineren Änderungen/Feststellungen usw. Überarbeitung.</a:t>
-            </a:r>
-          </a:p>
-          <a:p>
+              <a:t>Rot: Login Verknüpfung Session ID aus </a:t>
+            </a:r>
+            <a:r>
+              <a:rPr lang="de-DE" baseline="0" dirty="0" err="1" smtClean="0"/>
+              <a:t>oAuth</a:t>
+            </a:r>
             <a:r>
               <a:rPr lang="de-DE" baseline="0" dirty="0" smtClean="0"/>
-              <a:t>Ziel: 11.06. eine prototypische Implementierung der Plattform fertigstellen</a:t>
+              <a:t>, Grunddaten (</a:t>
+            </a:r>
+            <a:r>
+              <a:rPr lang="de-DE" baseline="0" dirty="0" err="1" smtClean="0"/>
+              <a:t>name</a:t>
+            </a:r>
+            <a:r>
+              <a:rPr lang="de-DE" baseline="0" dirty="0" smtClean="0"/>
+              <a:t>, E-Mail-Adresse etc.) werden ausgelesen und persistent gespeichert.</a:t>
             </a:r>
             <a:endParaRPr lang="de-DE" dirty="0"/>
           </a:p>
@@ -2010,7 +2518,7 @@
     </p:spTree>
     <p:extLst>
       <p:ext uri="{BB962C8B-B14F-4D97-AF65-F5344CB8AC3E}">
-        <p14:creationId xmlns:p14="http://schemas.microsoft.com/office/powerpoint/2010/main" val="3931682397"/>
+        <p14:creationId xmlns:p14="http://schemas.microsoft.com/office/powerpoint/2010/main" xmlns="" val="802076649"/>
       </p:ext>
     </p:extLst>
   </p:cSld>
@@ -2061,11 +2569,57 @@
         </p:nvSpPr>
         <p:spPr/>
         <p:txBody>
-          <a:bodyPr>
-            <a:normAutofit/>
-          </a:bodyPr>
+          <a:bodyPr/>
           <a:lstStyle/>
           <a:p>
+            <a:r>
+              <a:rPr lang="de-DE" dirty="0" smtClean="0"/>
+              <a:t>Blau: Event </a:t>
+            </a:r>
+            <a:r>
+              <a:rPr lang="de-DE" dirty="0" err="1" smtClean="0"/>
+              <a:t>anlage</a:t>
+            </a:r>
+            <a:endParaRPr lang="de-DE" dirty="0" smtClean="0"/>
+          </a:p>
+          <a:p>
+            <a:r>
+              <a:rPr lang="de-DE" dirty="0" smtClean="0"/>
+              <a:t>DB Table Event, </a:t>
+            </a:r>
+            <a:r>
+              <a:rPr lang="de-DE" dirty="0" err="1" smtClean="0"/>
+              <a:t>normaliserte</a:t>
+            </a:r>
+            <a:r>
+              <a:rPr lang="de-DE" baseline="0" dirty="0" smtClean="0"/>
+              <a:t> Teilnehmerliste und Ort</a:t>
+            </a:r>
+          </a:p>
+          <a:p>
+            <a:endParaRPr lang="de-DE" baseline="0" dirty="0" smtClean="0"/>
+          </a:p>
+          <a:p>
+            <a:r>
+              <a:rPr lang="de-DE" baseline="0" dirty="0" smtClean="0"/>
+              <a:t>Rot: Login Verknüpfung Session ID aus </a:t>
+            </a:r>
+            <a:r>
+              <a:rPr lang="de-DE" baseline="0" dirty="0" err="1" smtClean="0"/>
+              <a:t>oAuth</a:t>
+            </a:r>
+            <a:r>
+              <a:rPr lang="de-DE" baseline="0" dirty="0" smtClean="0"/>
+              <a:t>, Grunddaten (</a:t>
+            </a:r>
+            <a:r>
+              <a:rPr lang="de-DE" baseline="0" dirty="0" err="1" smtClean="0"/>
+              <a:t>name</a:t>
+            </a:r>
+            <a:r>
+              <a:rPr lang="de-DE" baseline="0" dirty="0" smtClean="0"/>
+              <a:t>, E-Mail-Adresse etc.) werden ausgelesen und persistent gespeichert.</a:t>
+            </a:r>
             <a:endParaRPr lang="de-DE" dirty="0"/>
           </a:p>
         </p:txBody>
@@ -2085,16 +2639,21 @@
           <a:bodyPr/>
           <a:lstStyle/>
           <a:p>
-            <a:fld id="{1EBFF01C-F984-4A51-AF10-254043F7C542}" type="slidenum">
-              <a:rPr lang="de-DE" smtClean="0"/>
+            <a:fld id="{F7EBFB8C-BBFF-4397-A51C-1E92596422A9}" type="slidenum">
+              <a:rPr lang="en-US" smtClean="0"/>
               <a:pPr/>
-              <a:t>13</a:t>
+              <a:t>12</a:t>
             </a:fld>
-            <a:endParaRPr lang="de-DE"/>
+            <a:endParaRPr lang="en-US" dirty="0"/>
           </a:p>
         </p:txBody>
       </p:sp>
     </p:spTree>
+    <p:extLst>
+      <p:ext uri="{BB962C8B-B14F-4D97-AF65-F5344CB8AC3E}">
+        <p14:creationId xmlns:p14="http://schemas.microsoft.com/office/powerpoint/2010/main" xmlns="" val="802076649"/>
+      </p:ext>
+    </p:extLst>
   </p:cSld>
   <p:clrMapOvr>
     <a:masterClrMapping/>
@@ -6332,7 +6891,7 @@
           <a:blip r:embed="rId13" cstate="print">
             <a:extLst>
               <a:ext uri="{28A0092B-C50C-407E-A947-70E740481C1C}">
-                <a14:useLocalDpi xmlns:a14="http://schemas.microsoft.com/office/drawing/2010/main" val="0"/>
+                <a14:useLocalDpi xmlns:a14="http://schemas.microsoft.com/office/drawing/2010/main" xmlns="" val="0"/>
               </a:ext>
             </a:extLst>
           </a:blip>
@@ -6830,7 +7389,7 @@
           <a:blip r:embed="rId3" cstate="print">
             <a:extLst>
               <a:ext uri="{28A0092B-C50C-407E-A947-70E740481C1C}">
-                <a14:useLocalDpi xmlns:a14="http://schemas.microsoft.com/office/drawing/2010/main" val="0"/>
+                <a14:useLocalDpi xmlns:a14="http://schemas.microsoft.com/office/drawing/2010/main" xmlns="" val="0"/>
               </a:ext>
             </a:extLst>
           </a:blip>
@@ -6860,7 +7419,7 @@
           <a:blip r:embed="rId4" cstate="print">
             <a:extLst>
               <a:ext uri="{28A0092B-C50C-407E-A947-70E740481C1C}">
-                <a14:useLocalDpi xmlns:a14="http://schemas.microsoft.com/office/drawing/2010/main" val="0"/>
+                <a14:useLocalDpi xmlns:a14="http://schemas.microsoft.com/office/drawing/2010/main" xmlns="" val="0"/>
               </a:ext>
             </a:extLst>
           </a:blip>
@@ -6912,7 +7471,7 @@
       </p:grpSpPr>
       <p:sp>
         <p:nvSpPr>
-          <p:cNvPr id="2" name="Titel 1"/>
+          <p:cNvPr id="10" name="Titel 9"/>
           <p:cNvSpPr>
             <a:spLocks noGrp="1"/>
           </p:cNvSpPr>
@@ -6926,8 +7485,8 @@
           <a:lstStyle/>
           <a:p>
             <a:r>
-              <a:rPr lang="de-DE" dirty="0" smtClean="0"/>
-              <a:t>Design Model?</a:t>
+              <a:rPr lang="de-DE" dirty="0" err="1" smtClean="0"/>
+              <a:t>LiveDemo</a:t>
             </a:r>
             <a:endParaRPr lang="de-DE" dirty="0"/>
           </a:p>
@@ -6935,12 +7494,12 @@
       </p:sp>
       <p:sp>
         <p:nvSpPr>
-          <p:cNvPr id="3" name="Inhaltsplatzhalter 2"/>
-          <p:cNvSpPr>
-            <a:spLocks noGrp="1"/>
-          </p:cNvSpPr>
-          <p:nvPr>
-            <p:ph idx="1"/>
+          <p:cNvPr id="11" name="Textplatzhalter 10"/>
+          <p:cNvSpPr>
+            <a:spLocks noGrp="1"/>
+          </p:cNvSpPr>
+          <p:nvPr>
+            <p:ph type="body" idx="1"/>
           </p:nvPr>
         </p:nvSpPr>
         <p:spPr/>
@@ -6954,7 +7513,7 @@
       </p:sp>
       <p:sp>
         <p:nvSpPr>
-          <p:cNvPr id="4" name="Datumsplatzhalter 3"/>
+          <p:cNvPr id="7" name="Datumsplatzhalter 6"/>
           <p:cNvSpPr>
             <a:spLocks noGrp="1"/>
           </p:cNvSpPr>
@@ -6977,7 +7536,7 @@
       </p:sp>
       <p:sp>
         <p:nvSpPr>
-          <p:cNvPr id="5" name="Fußzeilenplatzhalter 4"/>
+          <p:cNvPr id="8" name="Fußzeilenplatzhalter 7"/>
           <p:cNvSpPr>
             <a:spLocks noGrp="1"/>
           </p:cNvSpPr>
@@ -7000,7 +7559,7 @@
       </p:sp>
       <p:sp>
         <p:nvSpPr>
-          <p:cNvPr id="6" name="Foliennummernplatzhalter 5"/>
+          <p:cNvPr id="9" name="Foliennummernplatzhalter 8"/>
           <p:cNvSpPr>
             <a:spLocks noGrp="1"/>
           </p:cNvSpPr>
@@ -7025,7 +7584,7 @@
     </p:spTree>
     <p:extLst>
       <p:ext uri="{BB962C8B-B14F-4D97-AF65-F5344CB8AC3E}">
-        <p14:creationId xmlns:p14="http://schemas.microsoft.com/office/powerpoint/2010/main" val="1303968591"/>
+        <p14:creationId xmlns:p14="http://schemas.microsoft.com/office/powerpoint/2010/main" xmlns="" val="2634211947"/>
       </p:ext>
     </p:extLst>
   </p:cSld>
@@ -7064,6 +7623,650 @@
         </p:nvSpPr>
         <p:spPr/>
         <p:txBody>
+          <a:bodyPr>
+            <a:normAutofit fontScale="90000"/>
+          </a:bodyPr>
+          <a:lstStyle/>
+          <a:p>
+            <a:r>
+              <a:rPr lang="de-DE" dirty="0" smtClean="0"/>
+              <a:t>Domänenklassendiagramm - </a:t>
+            </a:r>
+            <a:r>
+              <a:rPr lang="de-DE" dirty="0" smtClean="0"/>
+              <a:t>Event</a:t>
+            </a:r>
+            <a:endParaRPr lang="de-DE" dirty="0"/>
+          </a:p>
+        </p:txBody>
+      </p:sp>
+      <p:sp>
+        <p:nvSpPr>
+          <p:cNvPr id="3" name="Inhaltsplatzhalter 2"/>
+          <p:cNvSpPr>
+            <a:spLocks noGrp="1"/>
+          </p:cNvSpPr>
+          <p:nvPr>
+            <p:ph idx="1"/>
+          </p:nvPr>
+        </p:nvSpPr>
+        <p:spPr/>
+        <p:txBody>
+          <a:bodyPr/>
+          <a:lstStyle/>
+          <a:p>
+            <a:r>
+              <a:rPr lang="de-DE" dirty="0" smtClean="0"/>
+              <a:t>TODO</a:t>
+            </a:r>
+            <a:endParaRPr lang="de-DE" dirty="0"/>
+          </a:p>
+        </p:txBody>
+      </p:sp>
+      <p:sp>
+        <p:nvSpPr>
+          <p:cNvPr id="4" name="Datumsplatzhalter 3"/>
+          <p:cNvSpPr>
+            <a:spLocks noGrp="1"/>
+          </p:cNvSpPr>
+          <p:nvPr>
+            <p:ph type="dt" sz="half" idx="10"/>
+          </p:nvPr>
+        </p:nvSpPr>
+        <p:spPr/>
+        <p:txBody>
+          <a:bodyPr/>
+          <a:lstStyle/>
+          <a:p>
+            <a:r>
+              <a:rPr lang="de-DE" smtClean="0"/>
+              <a:t>21.04.2012</a:t>
+            </a:r>
+            <a:endParaRPr lang="en-US"/>
+          </a:p>
+        </p:txBody>
+      </p:sp>
+      <p:sp>
+        <p:nvSpPr>
+          <p:cNvPr id="5" name="Fußzeilenplatzhalter 4"/>
+          <p:cNvSpPr>
+            <a:spLocks noGrp="1"/>
+          </p:cNvSpPr>
+          <p:nvPr>
+            <p:ph type="ftr" sz="quarter" idx="11"/>
+          </p:nvPr>
+        </p:nvSpPr>
+        <p:spPr/>
+        <p:txBody>
+          <a:bodyPr/>
+          <a:lstStyle/>
+          <a:p>
+            <a:r>
+              <a:rPr lang="de-DE" smtClean="0"/>
+              <a:t>FST Projekt "Eventalizer" (SS 2012) Team 5</a:t>
+            </a:r>
+            <a:endParaRPr lang="de-DE" dirty="0"/>
+          </a:p>
+        </p:txBody>
+      </p:sp>
+      <p:sp>
+        <p:nvSpPr>
+          <p:cNvPr id="6" name="Foliennummernplatzhalter 5"/>
+          <p:cNvSpPr>
+            <a:spLocks noGrp="1"/>
+          </p:cNvSpPr>
+          <p:nvPr>
+            <p:ph type="sldNum" sz="quarter" idx="12"/>
+          </p:nvPr>
+        </p:nvSpPr>
+        <p:spPr/>
+        <p:txBody>
+          <a:bodyPr/>
+          <a:lstStyle/>
+          <a:p>
+            <a:fld id="{990B41CA-569D-40E7-8E58-026C0338B2C8}" type="slidenum">
+              <a:rPr lang="en-US" smtClean="0"/>
+              <a:pPr/>
+              <a:t>11</a:t>
+            </a:fld>
+            <a:endParaRPr lang="en-US"/>
+          </a:p>
+        </p:txBody>
+      </p:sp>
+    </p:spTree>
+    <p:extLst>
+      <p:ext uri="{BB962C8B-B14F-4D97-AF65-F5344CB8AC3E}">
+        <p14:creationId xmlns:p14="http://schemas.microsoft.com/office/powerpoint/2010/main" xmlns="" val="3243626544"/>
+      </p:ext>
+    </p:extLst>
+  </p:cSld>
+  <p:clrMapOvr>
+    <a:masterClrMapping/>
+  </p:clrMapOvr>
+</p:sld>
+</file>
+
+<file path=ppt/slides/slide12.xml><?xml version="1.0" encoding="utf-8"?>
+<p:sld xmlns:a="http://schemas.openxmlformats.org/drawingml/2006/main" xmlns:r="http://schemas.openxmlformats.org/officeDocument/2006/relationships" xmlns:p="http://schemas.openxmlformats.org/presentationml/2006/main">
+  <p:cSld>
+    <p:spTree>
+      <p:nvGrpSpPr>
+        <p:cNvPr id="1" name=""/>
+        <p:cNvGrpSpPr/>
+        <p:nvPr/>
+      </p:nvGrpSpPr>
+      <p:grpSpPr>
+        <a:xfrm>
+          <a:off x="0" y="0"/>
+          <a:ext cx="0" cy="0"/>
+          <a:chOff x="0" y="0"/>
+          <a:chExt cx="0" cy="0"/>
+        </a:xfrm>
+      </p:grpSpPr>
+      <p:sp>
+        <p:nvSpPr>
+          <p:cNvPr id="2" name="Titel 1"/>
+          <p:cNvSpPr>
+            <a:spLocks noGrp="1"/>
+          </p:cNvSpPr>
+          <p:nvPr>
+            <p:ph type="title"/>
+          </p:nvPr>
+        </p:nvSpPr>
+        <p:spPr/>
+        <p:txBody>
+          <a:bodyPr>
+            <a:normAutofit fontScale="90000"/>
+          </a:bodyPr>
+          <a:lstStyle/>
+          <a:p>
+            <a:r>
+              <a:rPr lang="de-DE" dirty="0" smtClean="0"/>
+              <a:t>Detailkonzept</a:t>
+            </a:r>
+            <a:br>
+              <a:rPr lang="de-DE" dirty="0" smtClean="0"/>
+            </a:br>
+            <a:r>
+              <a:rPr lang="de-DE" dirty="0" smtClean="0"/>
+              <a:t>Datenbankschema - Event</a:t>
+            </a:r>
+            <a:endParaRPr lang="de-DE" dirty="0"/>
+          </a:p>
+        </p:txBody>
+      </p:sp>
+      <p:sp>
+        <p:nvSpPr>
+          <p:cNvPr id="3" name="Inhaltsplatzhalter 2"/>
+          <p:cNvSpPr>
+            <a:spLocks noGrp="1"/>
+          </p:cNvSpPr>
+          <p:nvPr>
+            <p:ph idx="1"/>
+          </p:nvPr>
+        </p:nvSpPr>
+        <p:spPr/>
+        <p:txBody>
+          <a:bodyPr/>
+          <a:lstStyle/>
+          <a:p>
+            <a:endParaRPr lang="de-DE" dirty="0"/>
+          </a:p>
+        </p:txBody>
+      </p:sp>
+      <p:sp>
+        <p:nvSpPr>
+          <p:cNvPr id="4" name="Datumsplatzhalter 3"/>
+          <p:cNvSpPr>
+            <a:spLocks noGrp="1"/>
+          </p:cNvSpPr>
+          <p:nvPr>
+            <p:ph type="dt" sz="half" idx="10"/>
+          </p:nvPr>
+        </p:nvSpPr>
+        <p:spPr/>
+        <p:txBody>
+          <a:bodyPr/>
+          <a:lstStyle/>
+          <a:p>
+            <a:r>
+              <a:rPr lang="de-DE" smtClean="0"/>
+              <a:t>21.04.2012</a:t>
+            </a:r>
+            <a:endParaRPr lang="en-US"/>
+          </a:p>
+        </p:txBody>
+      </p:sp>
+      <p:sp>
+        <p:nvSpPr>
+          <p:cNvPr id="5" name="Fußzeilenplatzhalter 4"/>
+          <p:cNvSpPr>
+            <a:spLocks noGrp="1"/>
+          </p:cNvSpPr>
+          <p:nvPr>
+            <p:ph type="ftr" sz="quarter" idx="11"/>
+          </p:nvPr>
+        </p:nvSpPr>
+        <p:spPr/>
+        <p:txBody>
+          <a:bodyPr/>
+          <a:lstStyle/>
+          <a:p>
+            <a:r>
+              <a:rPr lang="de-DE" smtClean="0"/>
+              <a:t>FST Projekt "Eventalizer" (SS 2012) Team 5</a:t>
+            </a:r>
+            <a:endParaRPr lang="de-DE" dirty="0"/>
+          </a:p>
+        </p:txBody>
+      </p:sp>
+      <p:sp>
+        <p:nvSpPr>
+          <p:cNvPr id="6" name="Foliennummernplatzhalter 5"/>
+          <p:cNvSpPr>
+            <a:spLocks noGrp="1"/>
+          </p:cNvSpPr>
+          <p:nvPr>
+            <p:ph type="sldNum" sz="quarter" idx="12"/>
+          </p:nvPr>
+        </p:nvSpPr>
+        <p:spPr/>
+        <p:txBody>
+          <a:bodyPr/>
+          <a:lstStyle/>
+          <a:p>
+            <a:fld id="{990B41CA-569D-40E7-8E58-026C0338B2C8}" type="slidenum">
+              <a:rPr lang="en-US" smtClean="0"/>
+              <a:pPr/>
+              <a:t>12</a:t>
+            </a:fld>
+            <a:endParaRPr lang="en-US"/>
+          </a:p>
+        </p:txBody>
+      </p:sp>
+      <p:pic>
+        <p:nvPicPr>
+          <p:cNvPr id="1026" name="Picture 2"/>
+          <p:cNvPicPr>
+            <a:picLocks noChangeAspect="1" noChangeArrowheads="1"/>
+          </p:cNvPicPr>
+          <p:nvPr/>
+        </p:nvPicPr>
+        <p:blipFill>
+          <a:blip r:embed="rId3" cstate="print">
+            <a:extLst>
+              <a:ext uri="{28A0092B-C50C-407E-A947-70E740481C1C}">
+                <a14:useLocalDpi xmlns:a14="http://schemas.microsoft.com/office/drawing/2010/main" xmlns="" val="0"/>
+              </a:ext>
+            </a:extLst>
+          </a:blip>
+          <a:srcRect/>
+          <a:stretch>
+            <a:fillRect/>
+          </a:stretch>
+        </p:blipFill>
+        <p:spPr bwMode="auto">
+          <a:xfrm>
+            <a:off x="2915815" y="1451297"/>
+            <a:ext cx="4332709" cy="5171753"/>
+          </a:xfrm>
+          <a:prstGeom prst="rect">
+            <a:avLst/>
+          </a:prstGeom>
+          <a:noFill/>
+          <a:ln>
+            <a:noFill/>
+          </a:ln>
+          <a:effectLst/>
+          <a:extLst>
+            <a:ext uri="{909E8E84-426E-40DD-AFC4-6F175D3DCCD1}">
+              <a14:hiddenFill xmlns:a14="http://schemas.microsoft.com/office/drawing/2010/main" xmlns="">
+                <a:solidFill>
+                  <a:schemeClr val="accent1"/>
+                </a:solidFill>
+              </a14:hiddenFill>
+            </a:ext>
+            <a:ext uri="{91240B29-F687-4F45-9708-019B960494DF}">
+              <a14:hiddenLine xmlns:a14="http://schemas.microsoft.com/office/drawing/2010/main" xmlns="" w="9525">
+                <a:solidFill>
+                  <a:schemeClr val="tx1"/>
+                </a:solidFill>
+                <a:miter lim="800000"/>
+                <a:headEnd/>
+                <a:tailEnd/>
+              </a14:hiddenLine>
+            </a:ext>
+            <a:ext uri="{AF507438-7753-43E0-B8FC-AC1667EBCBE1}">
+              <a14:hiddenEffects xmlns:a14="http://schemas.microsoft.com/office/drawing/2010/main" xmlns="">
+                <a:effectLst>
+                  <a:outerShdw dist="35921" dir="2700000" algn="ctr" rotWithShape="0">
+                    <a:schemeClr val="bg2"/>
+                  </a:outerShdw>
+                </a:effectLst>
+              </a14:hiddenEffects>
+            </a:ext>
+          </a:extLst>
+        </p:spPr>
+      </p:pic>
+      <p:sp>
+        <p:nvSpPr>
+          <p:cNvPr id="7" name="Rechteck 6"/>
+          <p:cNvSpPr/>
+          <p:nvPr/>
+        </p:nvSpPr>
+        <p:spPr>
+          <a:xfrm>
+            <a:off x="2771800" y="2420888"/>
+            <a:ext cx="1512168" cy="2376264"/>
+          </a:xfrm>
+          <a:prstGeom prst="rect">
+            <a:avLst/>
+          </a:prstGeom>
+          <a:noFill/>
+        </p:spPr>
+        <p:style>
+          <a:lnRef idx="2">
+            <a:schemeClr val="accent1">
+              <a:shade val="50000"/>
+            </a:schemeClr>
+          </a:lnRef>
+          <a:fillRef idx="1">
+            <a:schemeClr val="accent1"/>
+          </a:fillRef>
+          <a:effectRef idx="0">
+            <a:schemeClr val="accent1"/>
+          </a:effectRef>
+          <a:fontRef idx="minor">
+            <a:schemeClr val="lt1"/>
+          </a:fontRef>
+        </p:style>
+        <p:txBody>
+          <a:bodyPr rtlCol="0" anchor="ctr"/>
+          <a:lstStyle/>
+          <a:p>
+            <a:pPr algn="ctr"/>
+            <a:endParaRPr lang="de-DE"/>
+          </a:p>
+        </p:txBody>
+      </p:sp>
+      <p:sp>
+        <p:nvSpPr>
+          <p:cNvPr id="9" name="Rechteck 8"/>
+          <p:cNvSpPr/>
+          <p:nvPr/>
+        </p:nvSpPr>
+        <p:spPr>
+          <a:xfrm>
+            <a:off x="4083932" y="1700808"/>
+            <a:ext cx="1224136" cy="1296144"/>
+          </a:xfrm>
+          <a:prstGeom prst="rect">
+            <a:avLst/>
+          </a:prstGeom>
+          <a:noFill/>
+        </p:spPr>
+        <p:style>
+          <a:lnRef idx="2">
+            <a:schemeClr val="accent1">
+              <a:shade val="50000"/>
+            </a:schemeClr>
+          </a:lnRef>
+          <a:fillRef idx="1">
+            <a:schemeClr val="accent1"/>
+          </a:fillRef>
+          <a:effectRef idx="0">
+            <a:schemeClr val="accent1"/>
+          </a:effectRef>
+          <a:fontRef idx="minor">
+            <a:schemeClr val="lt1"/>
+          </a:fontRef>
+        </p:style>
+        <p:txBody>
+          <a:bodyPr rtlCol="0" anchor="ctr"/>
+          <a:lstStyle/>
+          <a:p>
+            <a:pPr algn="ctr"/>
+            <a:endParaRPr lang="de-DE"/>
+          </a:p>
+        </p:txBody>
+      </p:sp>
+      <p:sp>
+        <p:nvSpPr>
+          <p:cNvPr id="8" name="Rechteck 7"/>
+          <p:cNvSpPr/>
+          <p:nvPr/>
+        </p:nvSpPr>
+        <p:spPr>
+          <a:xfrm>
+            <a:off x="4283968" y="3429000"/>
+            <a:ext cx="1152128" cy="2016224"/>
+          </a:xfrm>
+          <a:prstGeom prst="rect">
+            <a:avLst/>
+          </a:prstGeom>
+          <a:noFill/>
+        </p:spPr>
+        <p:style>
+          <a:lnRef idx="2">
+            <a:schemeClr val="accent6"/>
+          </a:lnRef>
+          <a:fillRef idx="1">
+            <a:schemeClr val="lt1"/>
+          </a:fillRef>
+          <a:effectRef idx="0">
+            <a:schemeClr val="accent6"/>
+          </a:effectRef>
+          <a:fontRef idx="minor">
+            <a:schemeClr val="dk1"/>
+          </a:fontRef>
+        </p:style>
+        <p:txBody>
+          <a:bodyPr rtlCol="0" anchor="ctr"/>
+          <a:lstStyle/>
+          <a:p>
+            <a:pPr algn="ctr"/>
+            <a:endParaRPr lang="de-DE"/>
+          </a:p>
+        </p:txBody>
+      </p:sp>
+    </p:spTree>
+    <p:extLst>
+      <p:ext uri="{BB962C8B-B14F-4D97-AF65-F5344CB8AC3E}">
+        <p14:creationId xmlns:p14="http://schemas.microsoft.com/office/powerpoint/2010/main" xmlns="" val="3243626544"/>
+      </p:ext>
+    </p:extLst>
+  </p:cSld>
+  <p:clrMapOvr>
+    <a:masterClrMapping/>
+  </p:clrMapOvr>
+</p:sld>
+</file>
+
+<file path=ppt/slides/slide13.xml><?xml version="1.0" encoding="utf-8"?>
+<p:sld xmlns:a="http://schemas.openxmlformats.org/drawingml/2006/main" xmlns:r="http://schemas.openxmlformats.org/officeDocument/2006/relationships" xmlns:p="http://schemas.openxmlformats.org/presentationml/2006/main">
+  <p:cSld>
+    <p:spTree>
+      <p:nvGrpSpPr>
+        <p:cNvPr id="1" name=""/>
+        <p:cNvGrpSpPr/>
+        <p:nvPr/>
+      </p:nvGrpSpPr>
+      <p:grpSpPr>
+        <a:xfrm>
+          <a:off x="0" y="0"/>
+          <a:ext cx="0" cy="0"/>
+          <a:chOff x="0" y="0"/>
+          <a:chExt cx="0" cy="0"/>
+        </a:xfrm>
+      </p:grpSpPr>
+      <p:sp>
+        <p:nvSpPr>
+          <p:cNvPr id="2" name="Titel 1"/>
+          <p:cNvSpPr>
+            <a:spLocks noGrp="1"/>
+          </p:cNvSpPr>
+          <p:nvPr>
+            <p:ph type="title"/>
+          </p:nvPr>
+        </p:nvSpPr>
+        <p:spPr/>
+        <p:txBody>
+          <a:bodyPr/>
+          <a:lstStyle/>
+          <a:p>
+            <a:r>
+              <a:rPr lang="de-DE" dirty="0" smtClean="0"/>
+              <a:t>Zusätzlich</a:t>
+            </a:r>
+            <a:endParaRPr lang="de-DE" dirty="0"/>
+          </a:p>
+        </p:txBody>
+      </p:sp>
+      <p:sp>
+        <p:nvSpPr>
+          <p:cNvPr id="3" name="Inhaltsplatzhalter 2"/>
+          <p:cNvSpPr>
+            <a:spLocks noGrp="1"/>
+          </p:cNvSpPr>
+          <p:nvPr>
+            <p:ph idx="1"/>
+          </p:nvPr>
+        </p:nvSpPr>
+        <p:spPr/>
+        <p:txBody>
+          <a:bodyPr/>
+          <a:lstStyle/>
+          <a:p>
+            <a:r>
+              <a:rPr lang="de-DE" dirty="0" smtClean="0"/>
+              <a:t>Nicht funktionale Anforderungen = Qualitätsanforderungen</a:t>
+            </a:r>
+          </a:p>
+          <a:p>
+            <a:endParaRPr lang="de-DE" dirty="0" smtClean="0"/>
+          </a:p>
+          <a:p>
+            <a:r>
+              <a:rPr lang="de-DE" dirty="0" smtClean="0"/>
+              <a:t>Abnahmekriterien -&gt; PAW </a:t>
+            </a:r>
+            <a:r>
+              <a:rPr lang="de-DE" dirty="0" smtClean="0">
+                <a:sym typeface="Wingdings" pitchFamily="2" charset="2"/>
+              </a:rPr>
+              <a:t></a:t>
+            </a:r>
+            <a:endParaRPr lang="de-DE" dirty="0"/>
+          </a:p>
+        </p:txBody>
+      </p:sp>
+      <p:sp>
+        <p:nvSpPr>
+          <p:cNvPr id="4" name="Datumsplatzhalter 3"/>
+          <p:cNvSpPr>
+            <a:spLocks noGrp="1"/>
+          </p:cNvSpPr>
+          <p:nvPr>
+            <p:ph type="dt" sz="half" idx="10"/>
+          </p:nvPr>
+        </p:nvSpPr>
+        <p:spPr/>
+        <p:txBody>
+          <a:bodyPr/>
+          <a:lstStyle/>
+          <a:p>
+            <a:r>
+              <a:rPr lang="de-DE" smtClean="0"/>
+              <a:t>21.04.2012</a:t>
+            </a:r>
+            <a:endParaRPr lang="en-US"/>
+          </a:p>
+        </p:txBody>
+      </p:sp>
+      <p:sp>
+        <p:nvSpPr>
+          <p:cNvPr id="5" name="Fußzeilenplatzhalter 4"/>
+          <p:cNvSpPr>
+            <a:spLocks noGrp="1"/>
+          </p:cNvSpPr>
+          <p:nvPr>
+            <p:ph type="ftr" sz="quarter" idx="11"/>
+          </p:nvPr>
+        </p:nvSpPr>
+        <p:spPr/>
+        <p:txBody>
+          <a:bodyPr/>
+          <a:lstStyle/>
+          <a:p>
+            <a:r>
+              <a:rPr lang="de-DE" smtClean="0"/>
+              <a:t>FST Projekt "Eventalizer" (SS 2012) Team 5</a:t>
+            </a:r>
+            <a:endParaRPr lang="de-DE" dirty="0"/>
+          </a:p>
+        </p:txBody>
+      </p:sp>
+      <p:sp>
+        <p:nvSpPr>
+          <p:cNvPr id="6" name="Foliennummernplatzhalter 5"/>
+          <p:cNvSpPr>
+            <a:spLocks noGrp="1"/>
+          </p:cNvSpPr>
+          <p:nvPr>
+            <p:ph type="sldNum" sz="quarter" idx="12"/>
+          </p:nvPr>
+        </p:nvSpPr>
+        <p:spPr/>
+        <p:txBody>
+          <a:bodyPr/>
+          <a:lstStyle/>
+          <a:p>
+            <a:fld id="{990B41CA-569D-40E7-8E58-026C0338B2C8}" type="slidenum">
+              <a:rPr lang="en-US" smtClean="0"/>
+              <a:pPr/>
+              <a:t>13</a:t>
+            </a:fld>
+            <a:endParaRPr lang="en-US"/>
+          </a:p>
+        </p:txBody>
+      </p:sp>
+    </p:spTree>
+  </p:cSld>
+  <p:clrMapOvr>
+    <a:masterClrMapping/>
+  </p:clrMapOvr>
+</p:sld>
+</file>
+
+<file path=ppt/slides/slide14.xml><?xml version="1.0" encoding="utf-8"?>
+<p:sld xmlns:a="http://schemas.openxmlformats.org/drawingml/2006/main" xmlns:r="http://schemas.openxmlformats.org/officeDocument/2006/relationships" xmlns:p="http://schemas.openxmlformats.org/presentationml/2006/main">
+  <p:cSld>
+    <p:spTree>
+      <p:nvGrpSpPr>
+        <p:cNvPr id="1" name=""/>
+        <p:cNvGrpSpPr/>
+        <p:nvPr/>
+      </p:nvGrpSpPr>
+      <p:grpSpPr>
+        <a:xfrm>
+          <a:off x="0" y="0"/>
+          <a:ext cx="0" cy="0"/>
+          <a:chOff x="0" y="0"/>
+          <a:chExt cx="0" cy="0"/>
+        </a:xfrm>
+      </p:grpSpPr>
+      <p:sp>
+        <p:nvSpPr>
+          <p:cNvPr id="2" name="Titel 1"/>
+          <p:cNvSpPr>
+            <a:spLocks noGrp="1"/>
+          </p:cNvSpPr>
+          <p:nvPr>
+            <p:ph type="title"/>
+          </p:nvPr>
+        </p:nvSpPr>
+        <p:spPr/>
+        <p:txBody>
           <a:bodyPr/>
           <a:lstStyle/>
           <a:p>
@@ -7173,7 +8376,7 @@
             <a:fld id="{6C6AE60A-B69C-4790-82F7-3882EDF23186}" type="slidenum">
               <a:rPr lang="de-DE" smtClean="0"/>
               <a:pPr/>
-              <a:t>11</a:t>
+              <a:t>14</a:t>
             </a:fld>
             <a:endParaRPr lang="de-DE" dirty="0"/>
           </a:p>
@@ -7217,7 +8420,7 @@
     </p:spTree>
     <p:extLst>
       <p:ext uri="{BB962C8B-B14F-4D97-AF65-F5344CB8AC3E}">
-        <p14:creationId xmlns:p14="http://schemas.microsoft.com/office/powerpoint/2010/main" val="1012322072"/>
+        <p14:creationId xmlns:p14="http://schemas.microsoft.com/office/powerpoint/2010/main" xmlns="" val="1012322072"/>
       </p:ext>
     </p:extLst>
   </p:cSld>
@@ -7234,7 +8437,7 @@
 </p:sld>
 </file>
 
-<file path=ppt/slides/slide12.xml><?xml version="1.0" encoding="utf-8"?>
+<file path=ppt/slides/slide15.xml><?xml version="1.0" encoding="utf-8"?>
 <p:sld xmlns:a="http://schemas.openxmlformats.org/drawingml/2006/main" xmlns:r="http://schemas.openxmlformats.org/officeDocument/2006/relationships" xmlns:p="http://schemas.openxmlformats.org/presentationml/2006/main">
   <p:cSld>
     <p:spTree>
@@ -7337,12 +8540,16 @@
           </a:p>
           <a:p>
             <a:r>
+              <a:rPr lang="de-DE" dirty="0" err="1" smtClean="0"/>
+              <a:t>Finalisieren</a:t>
+            </a:r>
+            <a:r>
               <a:rPr lang="de-DE" dirty="0" smtClean="0"/>
-              <a:t>Finalisieren: Design Model (Auswahl</a:t>
-            </a:r>
-            <a:r>
-              <a:rPr lang="de-DE" dirty="0"/>
-              <a:t>)</a:t>
+              <a:t> </a:t>
+            </a:r>
+            <a:r>
+              <a:rPr lang="de-DE" dirty="0" smtClean="0"/>
+              <a:t>des Projekts</a:t>
             </a:r>
             <a:endParaRPr lang="de-DE" dirty="0" smtClean="0"/>
           </a:p>
@@ -7419,7 +8626,7 @@
             <a:fld id="{990B41CA-569D-40E7-8E58-026C0338B2C8}" type="slidenum">
               <a:rPr lang="en-US" smtClean="0"/>
               <a:pPr/>
-              <a:t>12</a:t>
+              <a:t>15</a:t>
             </a:fld>
             <a:endParaRPr lang="en-US"/>
           </a:p>
@@ -7434,10 +8641,10 @@
           <p:nvPr/>
         </p:nvPicPr>
         <p:blipFill rotWithShape="1">
-          <a:blip r:embed="rId2">
+          <a:blip r:embed="rId2" cstate="print">
             <a:extLst>
               <a:ext uri="{BEBA8EAE-BF5A-486C-A8C5-ECC9F3942E4B}">
-                <a14:imgProps xmlns:a14="http://schemas.microsoft.com/office/drawing/2010/main">
+                <a14:imgProps xmlns:a14="http://schemas.microsoft.com/office/drawing/2010/main" xmlns="">
                   <a14:imgLayer r:embed="rId3">
                     <a14:imgEffect>
                       <a14:backgroundRemoval t="6057" b="22942" l="7000" r="29162"/>
@@ -7446,7 +8653,7 @@
                 </a14:imgProps>
               </a:ext>
               <a:ext uri="{28A0092B-C50C-407E-A947-70E740481C1C}">
-                <a14:useLocalDpi xmlns:a14="http://schemas.microsoft.com/office/drawing/2010/main" val="0"/>
+                <a14:useLocalDpi xmlns:a14="http://schemas.microsoft.com/office/drawing/2010/main" xmlns="" val="0"/>
               </a:ext>
             </a:extLst>
           </a:blip>
@@ -7464,7 +8671,7 @@
           <a:noFill/>
           <a:extLst>
             <a:ext uri="{909E8E84-426E-40DD-AFC4-6F175D3DCCD1}">
-              <a14:hiddenFill xmlns:a14="http://schemas.microsoft.com/office/drawing/2010/main">
+              <a14:hiddenFill xmlns:a14="http://schemas.microsoft.com/office/drawing/2010/main" xmlns="">
                 <a:solidFill>
                   <a:srgbClr val="FFFFFF"/>
                 </a:solidFill>
@@ -7482,10 +8689,10 @@
           <p:nvPr/>
         </p:nvPicPr>
         <p:blipFill rotWithShape="1">
-          <a:blip r:embed="rId2">
+          <a:blip r:embed="rId2" cstate="print">
             <a:extLst>
               <a:ext uri="{BEBA8EAE-BF5A-486C-A8C5-ECC9F3942E4B}">
-                <a14:imgProps xmlns:a14="http://schemas.microsoft.com/office/drawing/2010/main">
+                <a14:imgProps xmlns:a14="http://schemas.microsoft.com/office/drawing/2010/main" xmlns="">
                   <a14:imgLayer r:embed="rId3">
                     <a14:imgEffect>
                       <a14:backgroundRemoval t="6057" b="22942" l="7000" r="29162"/>
@@ -7494,7 +8701,7 @@
                 </a14:imgProps>
               </a:ext>
               <a:ext uri="{28A0092B-C50C-407E-A947-70E740481C1C}">
-                <a14:useLocalDpi xmlns:a14="http://schemas.microsoft.com/office/drawing/2010/main" val="0"/>
+                <a14:useLocalDpi xmlns:a14="http://schemas.microsoft.com/office/drawing/2010/main" xmlns="" val="0"/>
               </a:ext>
             </a:extLst>
           </a:blip>
@@ -7512,7 +8719,7 @@
           <a:noFill/>
           <a:extLst>
             <a:ext uri="{909E8E84-426E-40DD-AFC4-6F175D3DCCD1}">
-              <a14:hiddenFill xmlns:a14="http://schemas.microsoft.com/office/drawing/2010/main">
+              <a14:hiddenFill xmlns:a14="http://schemas.microsoft.com/office/drawing/2010/main" xmlns="">
                 <a:solidFill>
                   <a:srgbClr val="FFFFFF"/>
                 </a:solidFill>
@@ -7524,7 +8731,7 @@
     </p:spTree>
     <p:extLst>
       <p:ext uri="{BB962C8B-B14F-4D97-AF65-F5344CB8AC3E}">
-        <p14:creationId xmlns:p14="http://schemas.microsoft.com/office/powerpoint/2010/main" val="2645794681"/>
+        <p14:creationId xmlns:p14="http://schemas.microsoft.com/office/powerpoint/2010/main" xmlns="" val="2645794681"/>
       </p:ext>
     </p:extLst>
   </p:cSld>
@@ -7534,7 +8741,7 @@
 </p:sld>
 </file>
 
-<file path=ppt/slides/slide13.xml><?xml version="1.0" encoding="utf-8"?>
+<file path=ppt/slides/slide16.xml><?xml version="1.0" encoding="utf-8"?>
 <p:sld xmlns:a="http://schemas.openxmlformats.org/drawingml/2006/main" xmlns:r="http://schemas.openxmlformats.org/officeDocument/2006/relationships" xmlns:p="http://schemas.openxmlformats.org/presentationml/2006/main">
   <p:cSld>
     <p:spTree>
@@ -7623,7 +8830,53 @@
             </a:r>
             <a:r>
               <a:rPr lang="de-DE" dirty="0" smtClean="0"/>
-              <a:t>“-Button)</a:t>
+              <a:t>“-Button</a:t>
+            </a:r>
+            <a:r>
+              <a:rPr lang="de-DE" dirty="0" smtClean="0"/>
+              <a:t>)</a:t>
+            </a:r>
+          </a:p>
+          <a:p>
+            <a:r>
+              <a:rPr lang="de-DE" dirty="0" err="1" smtClean="0"/>
+              <a:t>Tweets</a:t>
+            </a:r>
+            <a:endParaRPr lang="de-DE" dirty="0" smtClean="0"/>
+          </a:p>
+          <a:p>
+            <a:r>
+              <a:rPr lang="de-DE" dirty="0" smtClean="0"/>
+              <a:t>Google </a:t>
+            </a:r>
+            <a:r>
+              <a:rPr lang="de-DE" dirty="0" err="1" smtClean="0"/>
+              <a:t>Maps</a:t>
+            </a:r>
+            <a:endParaRPr lang="de-DE" dirty="0" smtClean="0"/>
+          </a:p>
+          <a:p>
+            <a:r>
+              <a:rPr lang="de-DE" dirty="0" err="1" smtClean="0"/>
+              <a:t>Location</a:t>
+            </a:r>
+            <a:r>
+              <a:rPr lang="de-DE" dirty="0" smtClean="0"/>
+              <a:t>-</a:t>
+            </a:r>
+            <a:r>
+              <a:rPr lang="de-DE" dirty="0" err="1" smtClean="0"/>
+              <a:t>based</a:t>
+            </a:r>
+            <a:r>
+              <a:rPr lang="de-DE" dirty="0" smtClean="0"/>
+              <a:t>-Services</a:t>
+            </a:r>
+          </a:p>
+          <a:p>
+            <a:r>
+              <a:rPr lang="de-DE" dirty="0" smtClean="0"/>
+              <a:t>„Adult“-Area</a:t>
             </a:r>
           </a:p>
           <a:p>
@@ -7699,7 +8952,7 @@
             <a:fld id="{6C6AE60A-B69C-4790-82F7-3882EDF23186}" type="slidenum">
               <a:rPr lang="de-DE" smtClean="0"/>
               <a:pPr/>
-              <a:t>13</a:t>
+              <a:t>16</a:t>
             </a:fld>
             <a:endParaRPr lang="de-DE" dirty="0"/>
           </a:p>
@@ -7714,10 +8967,10 @@
           <p:nvPr/>
         </p:nvPicPr>
         <p:blipFill>
-          <a:blip r:embed="rId3">
+          <a:blip r:embed="rId3" cstate="print">
             <a:extLst>
               <a:ext uri="{28A0092B-C50C-407E-A947-70E740481C1C}">
-                <a14:useLocalDpi xmlns:a14="http://schemas.microsoft.com/office/drawing/2010/main" val="0"/>
+                <a14:useLocalDpi xmlns:a14="http://schemas.microsoft.com/office/drawing/2010/main" xmlns="" val="0"/>
               </a:ext>
             </a:extLst>
           </a:blip>
@@ -7728,7 +8981,7 @@
         </p:blipFill>
         <p:spPr bwMode="auto">
           <a:xfrm>
-            <a:off x="5436096" y="4653136"/>
+            <a:off x="6153844" y="4941168"/>
             <a:ext cx="2450604" cy="1323890"/>
           </a:xfrm>
           <a:prstGeom prst="roundRect">
@@ -7749,7 +9002,7 @@
           </a:effectLst>
           <a:extLst>
             <a:ext uri="{91240B29-F687-4F45-9708-019B960494DF}">
-              <a14:hiddenLine xmlns:a14="http://schemas.microsoft.com/office/drawing/2010/main" w="9525">
+              <a14:hiddenLine xmlns:a14="http://schemas.microsoft.com/office/drawing/2010/main" xmlns="" w="9525">
                 <a:solidFill>
                   <a:schemeClr val="tx1"/>
                 </a:solidFill>
@@ -7764,7 +9017,7 @@
     </p:spTree>
     <p:extLst>
       <p:ext uri="{BB962C8B-B14F-4D97-AF65-F5344CB8AC3E}">
-        <p14:creationId xmlns:p14="http://schemas.microsoft.com/office/powerpoint/2010/main" val="313312729"/>
+        <p14:creationId xmlns:p14="http://schemas.microsoft.com/office/powerpoint/2010/main" xmlns="" val="313312729"/>
       </p:ext>
     </p:extLst>
   </p:cSld>
@@ -7781,7 +9034,7 @@
 </p:sld>
 </file>
 
-<file path=ppt/slides/slide14.xml><?xml version="1.0" encoding="utf-8"?>
+<file path=ppt/slides/slide17.xml><?xml version="1.0" encoding="utf-8"?>
 <p:sld xmlns:a="http://schemas.openxmlformats.org/drawingml/2006/main" xmlns:r="http://schemas.openxmlformats.org/officeDocument/2006/relationships" xmlns:p="http://schemas.openxmlformats.org/presentationml/2006/main">
   <p:cSld>
     <p:spTree>
@@ -7865,7 +9118,7 @@
           <a:blip r:embed="rId3" cstate="print">
             <a:extLst>
               <a:ext uri="{28A0092B-C50C-407E-A947-70E740481C1C}">
-                <a14:useLocalDpi xmlns:a14="http://schemas.microsoft.com/office/drawing/2010/main" val="0"/>
+                <a14:useLocalDpi xmlns:a14="http://schemas.microsoft.com/office/drawing/2010/main" xmlns="" val="0"/>
               </a:ext>
             </a:extLst>
           </a:blip>
@@ -7895,7 +9148,7 @@
           <a:blip r:embed="rId4" cstate="print">
             <a:extLst>
               <a:ext uri="{28A0092B-C50C-407E-A947-70E740481C1C}">
-                <a14:useLocalDpi xmlns:a14="http://schemas.microsoft.com/office/drawing/2010/main" val="0"/>
+                <a14:useLocalDpi xmlns:a14="http://schemas.microsoft.com/office/drawing/2010/main" xmlns="" val="0"/>
               </a:ext>
             </a:extLst>
           </a:blip>
@@ -7916,7 +9169,7 @@
     </p:spTree>
     <p:extLst>
       <p:ext uri="{BB962C8B-B14F-4D97-AF65-F5344CB8AC3E}">
-        <p14:creationId xmlns:p14="http://schemas.microsoft.com/office/powerpoint/2010/main" val="2565098391"/>
+        <p14:creationId xmlns:p14="http://schemas.microsoft.com/office/powerpoint/2010/main" xmlns="" val="2565098391"/>
       </p:ext>
     </p:extLst>
   </p:cSld>
@@ -8152,7 +9405,7 @@
     </p:spTree>
     <p:extLst>
       <p:ext uri="{BB962C8B-B14F-4D97-AF65-F5344CB8AC3E}">
-        <p14:creationId xmlns:p14="http://schemas.microsoft.com/office/powerpoint/2010/main" val="3616670450"/>
+        <p14:creationId xmlns:p14="http://schemas.microsoft.com/office/powerpoint/2010/main" xmlns="" val="3616670450"/>
       </p:ext>
     </p:extLst>
   </p:cSld>
@@ -8226,10 +9479,10 @@
           </p:nvPr>
         </p:nvPicPr>
         <p:blipFill>
-          <a:blip r:embed="rId3">
+          <a:blip r:embed="rId3" cstate="print">
             <a:extLst>
               <a:ext uri="{28A0092B-C50C-407E-A947-70E740481C1C}">
-                <a14:useLocalDpi xmlns:a14="http://schemas.microsoft.com/office/drawing/2010/main" val="0"/>
+                <a14:useLocalDpi xmlns:a14="http://schemas.microsoft.com/office/drawing/2010/main" xmlns="" val="0"/>
               </a:ext>
             </a:extLst>
           </a:blip>
@@ -8317,13 +9570,20 @@
     </p:spTree>
     <p:extLst>
       <p:ext uri="{BB962C8B-B14F-4D97-AF65-F5344CB8AC3E}">
-        <p14:creationId xmlns:p14="http://schemas.microsoft.com/office/powerpoint/2010/main" val="351671181"/>
+        <p14:creationId xmlns:p14="http://schemas.microsoft.com/office/powerpoint/2010/main" xmlns="" val="351671181"/>
       </p:ext>
     </p:extLst>
   </p:cSld>
   <p:clrMapOvr>
     <a:masterClrMapping/>
   </p:clrMapOvr>
+  <p:timing>
+    <p:tnLst>
+      <p:par>
+        <p:cTn id="1" dur="indefinite" restart="never" nodeType="tmRoot"/>
+      </p:par>
+    </p:tnLst>
+  </p:timing>
 </p:sld>
 </file>
 
@@ -8363,7 +9623,11 @@
           <a:p>
             <a:r>
               <a:rPr lang="de-DE" dirty="0" smtClean="0"/>
-              <a:t>Pflichtenheft</a:t>
+              <a:t>Lastenheft</a:t>
+            </a:r>
+            <a:r>
+              <a:rPr lang="de-DE" dirty="0" smtClean="0"/>
+              <a:t/>
             </a:r>
             <a:br>
               <a:rPr lang="de-DE" dirty="0" smtClean="0"/>
@@ -8371,95 +9635,6 @@
             <a:r>
               <a:rPr lang="de-DE" dirty="0" smtClean="0"/>
               <a:t>funktionale Anforderungen</a:t>
-            </a:r>
-            <a:endParaRPr lang="de-DE" dirty="0"/>
-          </a:p>
-        </p:txBody>
-      </p:sp>
-      <p:sp>
-        <p:nvSpPr>
-          <p:cNvPr id="3" name="Inhaltsplatzhalter 2"/>
-          <p:cNvSpPr>
-            <a:spLocks noGrp="1"/>
-          </p:cNvSpPr>
-          <p:nvPr>
-            <p:ph idx="1"/>
-          </p:nvPr>
-        </p:nvSpPr>
-        <p:spPr/>
-        <p:txBody>
-          <a:bodyPr/>
-          <a:lstStyle/>
-          <a:p>
-            <a:r>
-              <a:rPr lang="de-DE" dirty="0" smtClean="0"/>
-              <a:t>F10 – Benutzerfunktionen:  Anmeldung</a:t>
-            </a:r>
-          </a:p>
-          <a:p>
-            <a:endParaRPr lang="de-DE" dirty="0"/>
-          </a:p>
-          <a:p>
-            <a:endParaRPr lang="de-DE" dirty="0" smtClean="0"/>
-          </a:p>
-          <a:p>
-            <a:endParaRPr lang="de-DE" dirty="0"/>
-          </a:p>
-          <a:p>
-            <a:r>
-              <a:rPr lang="de-DE" dirty="0" smtClean="0"/>
-              <a:t>F60 – Eventfunktionen: Event erstellen</a:t>
-            </a:r>
-          </a:p>
-          <a:p>
-            <a:endParaRPr lang="de-DE" dirty="0" smtClean="0"/>
-          </a:p>
-          <a:p>
-            <a:endParaRPr lang="de-DE" dirty="0"/>
-          </a:p>
-        </p:txBody>
-      </p:sp>
-      <p:sp>
-        <p:nvSpPr>
-          <p:cNvPr id="4" name="Datumsplatzhalter 3"/>
-          <p:cNvSpPr>
-            <a:spLocks noGrp="1"/>
-          </p:cNvSpPr>
-          <p:nvPr>
-            <p:ph type="dt" sz="half" idx="10"/>
-          </p:nvPr>
-        </p:nvSpPr>
-        <p:spPr/>
-        <p:txBody>
-          <a:bodyPr/>
-          <a:lstStyle/>
-          <a:p>
-            <a:r>
-              <a:rPr lang="de-DE" smtClean="0"/>
-              <a:t>21.04.2012</a:t>
-            </a:r>
-            <a:endParaRPr lang="en-US"/>
-          </a:p>
-        </p:txBody>
-      </p:sp>
-      <p:sp>
-        <p:nvSpPr>
-          <p:cNvPr id="5" name="Fußzeilenplatzhalter 4"/>
-          <p:cNvSpPr>
-            <a:spLocks noGrp="1"/>
-          </p:cNvSpPr>
-          <p:nvPr>
-            <p:ph type="ftr" sz="quarter" idx="11"/>
-          </p:nvPr>
-        </p:nvSpPr>
-        <p:spPr/>
-        <p:txBody>
-          <a:bodyPr/>
-          <a:lstStyle/>
-          <a:p>
-            <a:r>
-              <a:rPr lang="de-DE" smtClean="0"/>
-              <a:t>FST Projekt "Eventalizer" (SS 2012) Team 5</a:t>
             </a:r>
             <a:endParaRPr lang="de-DE" dirty="0"/>
           </a:p>
@@ -8484,6 +9659,200 @@
               <a:rPr lang="en-US" smtClean="0"/>
               <a:pPr/>
               <a:t>4</a:t>
+            </a:fld>
+            <a:endParaRPr lang="en-US"/>
+          </a:p>
+        </p:txBody>
+      </p:sp>
+      <p:sp>
+        <p:nvSpPr>
+          <p:cNvPr id="9" name="Inhaltsplatzhalter 8"/>
+          <p:cNvSpPr>
+            <a:spLocks noGrp="1"/>
+          </p:cNvSpPr>
+          <p:nvPr>
+            <p:ph idx="1"/>
+          </p:nvPr>
+        </p:nvSpPr>
+        <p:spPr/>
+        <p:txBody>
+          <a:bodyPr/>
+          <a:lstStyle/>
+          <a:p>
+            <a:endParaRPr lang="de-DE"/>
+          </a:p>
+        </p:txBody>
+      </p:sp>
+    </p:spTree>
+    <p:extLst>
+      <p:ext uri="{BB962C8B-B14F-4D97-AF65-F5344CB8AC3E}">
+        <p14:creationId xmlns:p14="http://schemas.microsoft.com/office/powerpoint/2010/main" xmlns="" val="2681693288"/>
+      </p:ext>
+    </p:extLst>
+  </p:cSld>
+  <p:clrMapOvr>
+    <a:masterClrMapping/>
+  </p:clrMapOvr>
+</p:sld>
+</file>
+
+<file path=ppt/slides/slide5.xml><?xml version="1.0" encoding="utf-8"?>
+<p:sld xmlns:a="http://schemas.openxmlformats.org/drawingml/2006/main" xmlns:r="http://schemas.openxmlformats.org/officeDocument/2006/relationships" xmlns:p="http://schemas.openxmlformats.org/presentationml/2006/main">
+  <p:cSld>
+    <p:spTree>
+      <p:nvGrpSpPr>
+        <p:cNvPr id="1" name=""/>
+        <p:cNvGrpSpPr/>
+        <p:nvPr/>
+      </p:nvGrpSpPr>
+      <p:grpSpPr>
+        <a:xfrm>
+          <a:off x="0" y="0"/>
+          <a:ext cx="0" cy="0"/>
+          <a:chOff x="0" y="0"/>
+          <a:chExt cx="0" cy="0"/>
+        </a:xfrm>
+      </p:grpSpPr>
+      <p:sp>
+        <p:nvSpPr>
+          <p:cNvPr id="2" name="Titel 1"/>
+          <p:cNvSpPr>
+            <a:spLocks noGrp="1"/>
+          </p:cNvSpPr>
+          <p:nvPr>
+            <p:ph type="title"/>
+          </p:nvPr>
+        </p:nvSpPr>
+        <p:spPr/>
+        <p:txBody>
+          <a:bodyPr>
+            <a:normAutofit fontScale="90000"/>
+          </a:bodyPr>
+          <a:lstStyle/>
+          <a:p>
+            <a:r>
+              <a:rPr lang="de-DE" dirty="0" smtClean="0"/>
+              <a:t>Pflichtenheft</a:t>
+            </a:r>
+            <a:br>
+              <a:rPr lang="de-DE" dirty="0" smtClean="0"/>
+            </a:br>
+            <a:r>
+              <a:rPr lang="de-DE" dirty="0" smtClean="0"/>
+              <a:t>funktionale Anforderungen</a:t>
+            </a:r>
+            <a:endParaRPr lang="de-DE" dirty="0"/>
+          </a:p>
+        </p:txBody>
+      </p:sp>
+      <p:sp>
+        <p:nvSpPr>
+          <p:cNvPr id="3" name="Inhaltsplatzhalter 2"/>
+          <p:cNvSpPr>
+            <a:spLocks noGrp="1"/>
+          </p:cNvSpPr>
+          <p:nvPr>
+            <p:ph idx="1"/>
+          </p:nvPr>
+        </p:nvSpPr>
+        <p:spPr/>
+        <p:txBody>
+          <a:bodyPr/>
+          <a:lstStyle/>
+          <a:p>
+            <a:r>
+              <a:rPr lang="de-DE" dirty="0" smtClean="0"/>
+              <a:t>F10 – Benutzerfunktionen:  Anmeldung</a:t>
+            </a:r>
+          </a:p>
+          <a:p>
+            <a:endParaRPr lang="de-DE" dirty="0"/>
+          </a:p>
+          <a:p>
+            <a:endParaRPr lang="de-DE" dirty="0" smtClean="0"/>
+          </a:p>
+          <a:p>
+            <a:endParaRPr lang="de-DE" dirty="0"/>
+          </a:p>
+          <a:p>
+            <a:r>
+              <a:rPr lang="de-DE" dirty="0" smtClean="0"/>
+              <a:t>F60 – Eventfunktionen: Event erstellen</a:t>
+            </a:r>
+          </a:p>
+          <a:p>
+            <a:endParaRPr lang="de-DE" dirty="0" smtClean="0"/>
+          </a:p>
+          <a:p>
+            <a:endParaRPr lang="de-DE" dirty="0"/>
+          </a:p>
+        </p:txBody>
+      </p:sp>
+      <p:sp>
+        <p:nvSpPr>
+          <p:cNvPr id="4" name="Datumsplatzhalter 3"/>
+          <p:cNvSpPr>
+            <a:spLocks noGrp="1"/>
+          </p:cNvSpPr>
+          <p:nvPr>
+            <p:ph type="dt" sz="half" idx="10"/>
+          </p:nvPr>
+        </p:nvSpPr>
+        <p:spPr/>
+        <p:txBody>
+          <a:bodyPr/>
+          <a:lstStyle/>
+          <a:p>
+            <a:r>
+              <a:rPr lang="de-DE" smtClean="0"/>
+              <a:t>21.04.2012</a:t>
+            </a:r>
+            <a:endParaRPr lang="en-US"/>
+          </a:p>
+        </p:txBody>
+      </p:sp>
+      <p:sp>
+        <p:nvSpPr>
+          <p:cNvPr id="5" name="Fußzeilenplatzhalter 4"/>
+          <p:cNvSpPr>
+            <a:spLocks noGrp="1"/>
+          </p:cNvSpPr>
+          <p:nvPr>
+            <p:ph type="ftr" sz="quarter" idx="11"/>
+          </p:nvPr>
+        </p:nvSpPr>
+        <p:spPr/>
+        <p:txBody>
+          <a:bodyPr/>
+          <a:lstStyle/>
+          <a:p>
+            <a:r>
+              <a:rPr lang="de-DE" smtClean="0"/>
+              <a:t>FST Projekt "Eventalizer" (SS 2012) Team 5</a:t>
+            </a:r>
+            <a:endParaRPr lang="de-DE" dirty="0"/>
+          </a:p>
+        </p:txBody>
+      </p:sp>
+      <p:sp>
+        <p:nvSpPr>
+          <p:cNvPr id="6" name="Foliennummernplatzhalter 5"/>
+          <p:cNvSpPr>
+            <a:spLocks noGrp="1"/>
+          </p:cNvSpPr>
+          <p:nvPr>
+            <p:ph type="sldNum" sz="quarter" idx="12"/>
+          </p:nvPr>
+        </p:nvSpPr>
+        <p:spPr/>
+        <p:txBody>
+          <a:bodyPr/>
+          <a:lstStyle/>
+          <a:p>
+            <a:fld id="{990B41CA-569D-40E7-8E58-026C0338B2C8}" type="slidenum">
+              <a:rPr lang="en-US" smtClean="0"/>
+              <a:pPr/>
+              <a:t>5</a:t>
             </a:fld>
             <a:endParaRPr lang="en-US"/>
           </a:p>
@@ -8540,7 +9909,7 @@
     </p:spTree>
     <p:extLst>
       <p:ext uri="{BB962C8B-B14F-4D97-AF65-F5344CB8AC3E}">
-        <p14:creationId xmlns:p14="http://schemas.microsoft.com/office/powerpoint/2010/main" val="2681693288"/>
+        <p14:creationId xmlns:p14="http://schemas.microsoft.com/office/powerpoint/2010/main" xmlns="" val="2681693288"/>
       </p:ext>
     </p:extLst>
   </p:cSld>
@@ -8550,7 +9919,7 @@
 </p:sld>
 </file>
 
-<file path=ppt/slides/slide5.xml><?xml version="1.0" encoding="utf-8"?>
+<file path=ppt/slides/slide6.xml><?xml version="1.0" encoding="utf-8"?>
 <p:sld xmlns:a="http://schemas.openxmlformats.org/drawingml/2006/main" xmlns:r="http://schemas.openxmlformats.org/officeDocument/2006/relationships" xmlns:p="http://schemas.openxmlformats.org/presentationml/2006/main">
   <p:cSld>
     <p:spTree>
@@ -8593,11 +9962,7 @@
             </a:br>
             <a:r>
               <a:rPr lang="de-DE" dirty="0" smtClean="0"/>
-              <a:t>Benutzungs- &amp; </a:t>
-            </a:r>
-            <a:r>
-              <a:rPr lang="de-DE" dirty="0" smtClean="0"/>
-              <a:t>Systemschnittstellen</a:t>
+              <a:t>Benutzungs- &amp; Systemschnittstellen</a:t>
             </a:r>
             <a:endParaRPr lang="de-DE" dirty="0"/>
           </a:p>
@@ -8644,7 +10009,7 @@
             <a:fld id="{6C6AE60A-B69C-4790-82F7-3882EDF23186}" type="slidenum">
               <a:rPr lang="de-DE" smtClean="0"/>
               <a:pPr/>
-              <a:t>5</a:t>
+              <a:t>6</a:t>
             </a:fld>
             <a:endParaRPr lang="de-DE" dirty="0"/>
           </a:p>
@@ -9000,7 +10365,7 @@
     </p:spTree>
     <p:extLst>
       <p:ext uri="{BB962C8B-B14F-4D97-AF65-F5344CB8AC3E}">
-        <p14:creationId xmlns:p14="http://schemas.microsoft.com/office/powerpoint/2010/main" val="2857272158"/>
+        <p14:creationId xmlns:p14="http://schemas.microsoft.com/office/powerpoint/2010/main" xmlns="" val="2857272158"/>
       </p:ext>
     </p:extLst>
   </p:cSld>
@@ -9017,7 +10382,7 @@
 </p:sld>
 </file>
 
-<file path=ppt/slides/slide6.xml><?xml version="1.0" encoding="utf-8"?>
+<file path=ppt/slides/slide7.xml><?xml version="1.0" encoding="utf-8"?>
 <p:sld xmlns:a="http://schemas.openxmlformats.org/drawingml/2006/main" xmlns:r="http://schemas.openxmlformats.org/officeDocument/2006/relationships" xmlns:p="http://schemas.openxmlformats.org/presentationml/2006/main">
   <p:cSld>
     <p:spTree>
@@ -9060,7 +10425,7 @@
             </a:br>
             <a:r>
               <a:rPr lang="de-DE" dirty="0" smtClean="0"/>
-              <a:t>Verhaltens/Sequenzdiagramm</a:t>
+              <a:t>Aktivitätsdiagramme</a:t>
             </a:r>
             <a:endParaRPr lang="de-DE" dirty="0"/>
           </a:p>
@@ -9175,7 +10540,7 @@
             <a:fld id="{990B41CA-569D-40E7-8E58-026C0338B2C8}" type="slidenum">
               <a:rPr lang="en-US" smtClean="0"/>
               <a:pPr/>
-              <a:t>6</a:t>
+              <a:t>7</a:t>
             </a:fld>
             <a:endParaRPr lang="en-US"/>
           </a:p>
@@ -9192,10 +10557,10 @@
           </p:nvPr>
         </p:nvPicPr>
         <p:blipFill>
-          <a:blip r:embed="rId2">
+          <a:blip r:embed="rId2" cstate="print">
             <a:extLst>
               <a:ext uri="{28A0092B-C50C-407E-A947-70E740481C1C}">
-                <a14:useLocalDpi xmlns:a14="http://schemas.microsoft.com/office/drawing/2010/main" val="0"/>
+                <a14:useLocalDpi xmlns:a14="http://schemas.microsoft.com/office/drawing/2010/main" xmlns="" val="0"/>
               </a:ext>
             </a:extLst>
           </a:blip>
@@ -9219,14 +10584,14 @@
           <a:effectLst/>
           <a:extLst>
             <a:ext uri="{909E8E84-426E-40DD-AFC4-6F175D3DCCD1}">
-              <a14:hiddenFill xmlns:a14="http://schemas.microsoft.com/office/drawing/2010/main">
+              <a14:hiddenFill xmlns:a14="http://schemas.microsoft.com/office/drawing/2010/main" xmlns="">
                 <a:solidFill>
                   <a:schemeClr val="accent1"/>
                 </a:solidFill>
               </a14:hiddenFill>
             </a:ext>
             <a:ext uri="{91240B29-F687-4F45-9708-019B960494DF}">
-              <a14:hiddenLine xmlns:a14="http://schemas.microsoft.com/office/drawing/2010/main" w="9525">
+              <a14:hiddenLine xmlns:a14="http://schemas.microsoft.com/office/drawing/2010/main" xmlns="" w="9525">
                 <a:solidFill>
                   <a:schemeClr val="tx1"/>
                 </a:solidFill>
@@ -9236,7 +10601,7 @@
               </a14:hiddenLine>
             </a:ext>
             <a:ext uri="{AF507438-7753-43E0-B8FC-AC1667EBCBE1}">
-              <a14:hiddenEffects xmlns:a14="http://schemas.microsoft.com/office/drawing/2010/main">
+              <a14:hiddenEffects xmlns:a14="http://schemas.microsoft.com/office/drawing/2010/main" xmlns="">
                 <a:effectLst>
                   <a:outerShdw dist="35921" dir="2700000" algn="ctr" rotWithShape="0">
                     <a:schemeClr val="bg2"/>
@@ -9258,10 +10623,10 @@
           </p:nvPr>
         </p:nvPicPr>
         <p:blipFill>
-          <a:blip r:embed="rId3">
+          <a:blip r:embed="rId3" cstate="print">
             <a:extLst>
               <a:ext uri="{28A0092B-C50C-407E-A947-70E740481C1C}">
-                <a14:useLocalDpi xmlns:a14="http://schemas.microsoft.com/office/drawing/2010/main" val="0"/>
+                <a14:useLocalDpi xmlns:a14="http://schemas.microsoft.com/office/drawing/2010/main" xmlns="" val="0"/>
               </a:ext>
             </a:extLst>
           </a:blip>
@@ -9285,14 +10650,14 @@
           <a:effectLst/>
           <a:extLst>
             <a:ext uri="{909E8E84-426E-40DD-AFC4-6F175D3DCCD1}">
-              <a14:hiddenFill xmlns:a14="http://schemas.microsoft.com/office/drawing/2010/main">
+              <a14:hiddenFill xmlns:a14="http://schemas.microsoft.com/office/drawing/2010/main" xmlns="">
                 <a:solidFill>
                   <a:schemeClr val="accent1"/>
                 </a:solidFill>
               </a14:hiddenFill>
             </a:ext>
             <a:ext uri="{91240B29-F687-4F45-9708-019B960494DF}">
-              <a14:hiddenLine xmlns:a14="http://schemas.microsoft.com/office/drawing/2010/main" w="9525">
+              <a14:hiddenLine xmlns:a14="http://schemas.microsoft.com/office/drawing/2010/main" xmlns="" w="9525">
                 <a:solidFill>
                   <a:schemeClr val="tx1"/>
                 </a:solidFill>
@@ -9302,7 +10667,7 @@
               </a14:hiddenLine>
             </a:ext>
             <a:ext uri="{AF507438-7753-43E0-B8FC-AC1667EBCBE1}">
-              <a14:hiddenEffects xmlns:a14="http://schemas.microsoft.com/office/drawing/2010/main">
+              <a14:hiddenEffects xmlns:a14="http://schemas.microsoft.com/office/drawing/2010/main" xmlns="">
                 <a:effectLst>
                   <a:outerShdw dist="35921" dir="2700000" algn="ctr" rotWithShape="0">
                     <a:schemeClr val="bg2"/>
@@ -9316,149 +10681,7 @@
     </p:spTree>
     <p:extLst>
       <p:ext uri="{BB962C8B-B14F-4D97-AF65-F5344CB8AC3E}">
-        <p14:creationId xmlns:p14="http://schemas.microsoft.com/office/powerpoint/2010/main" val="3542583579"/>
-      </p:ext>
-    </p:extLst>
-  </p:cSld>
-  <p:clrMapOvr>
-    <a:masterClrMapping/>
-  </p:clrMapOvr>
-</p:sld>
-</file>
-
-<file path=ppt/slides/slide7.xml><?xml version="1.0" encoding="utf-8"?>
-<p:sld xmlns:a="http://schemas.openxmlformats.org/drawingml/2006/main" xmlns:r="http://schemas.openxmlformats.org/officeDocument/2006/relationships" xmlns:p="http://schemas.openxmlformats.org/presentationml/2006/main">
-  <p:cSld>
-    <p:spTree>
-      <p:nvGrpSpPr>
-        <p:cNvPr id="1" name=""/>
-        <p:cNvGrpSpPr/>
-        <p:nvPr/>
-      </p:nvGrpSpPr>
-      <p:grpSpPr>
-        <a:xfrm>
-          <a:off x="0" y="0"/>
-          <a:ext cx="0" cy="0"/>
-          <a:chOff x="0" y="0"/>
-          <a:chExt cx="0" cy="0"/>
-        </a:xfrm>
-      </p:grpSpPr>
-      <p:sp>
-        <p:nvSpPr>
-          <p:cNvPr id="10" name="Titel 9"/>
-          <p:cNvSpPr>
-            <a:spLocks noGrp="1"/>
-          </p:cNvSpPr>
-          <p:nvPr>
-            <p:ph type="title"/>
-          </p:nvPr>
-        </p:nvSpPr>
-        <p:spPr/>
-        <p:txBody>
-          <a:bodyPr/>
-          <a:lstStyle/>
-          <a:p>
-            <a:r>
-              <a:rPr lang="de-DE" dirty="0" err="1" smtClean="0"/>
-              <a:t>LiveDemo</a:t>
-            </a:r>
-            <a:endParaRPr lang="de-DE" dirty="0"/>
-          </a:p>
-        </p:txBody>
-      </p:sp>
-      <p:sp>
-        <p:nvSpPr>
-          <p:cNvPr id="11" name="Textplatzhalter 10"/>
-          <p:cNvSpPr>
-            <a:spLocks noGrp="1"/>
-          </p:cNvSpPr>
-          <p:nvPr>
-            <p:ph type="body" idx="1"/>
-          </p:nvPr>
-        </p:nvSpPr>
-        <p:spPr/>
-        <p:txBody>
-          <a:bodyPr/>
-          <a:lstStyle/>
-          <a:p>
-            <a:endParaRPr lang="de-DE" dirty="0"/>
-          </a:p>
-        </p:txBody>
-      </p:sp>
-      <p:sp>
-        <p:nvSpPr>
-          <p:cNvPr id="7" name="Datumsplatzhalter 6"/>
-          <p:cNvSpPr>
-            <a:spLocks noGrp="1"/>
-          </p:cNvSpPr>
-          <p:nvPr>
-            <p:ph type="dt" sz="half" idx="10"/>
-          </p:nvPr>
-        </p:nvSpPr>
-        <p:spPr/>
-        <p:txBody>
-          <a:bodyPr/>
-          <a:lstStyle/>
-          <a:p>
-            <a:r>
-              <a:rPr lang="de-DE" smtClean="0"/>
-              <a:t>21.04.2012</a:t>
-            </a:r>
-            <a:endParaRPr lang="en-US"/>
-          </a:p>
-        </p:txBody>
-      </p:sp>
-      <p:sp>
-        <p:nvSpPr>
-          <p:cNvPr id="8" name="Fußzeilenplatzhalter 7"/>
-          <p:cNvSpPr>
-            <a:spLocks noGrp="1"/>
-          </p:cNvSpPr>
-          <p:nvPr>
-            <p:ph type="ftr" sz="quarter" idx="11"/>
-          </p:nvPr>
-        </p:nvSpPr>
-        <p:spPr/>
-        <p:txBody>
-          <a:bodyPr/>
-          <a:lstStyle/>
-          <a:p>
-            <a:r>
-              <a:rPr lang="de-DE" smtClean="0"/>
-              <a:t>FST Projekt "Eventalizer" (SS 2012) Team 5</a:t>
-            </a:r>
-            <a:endParaRPr lang="de-DE" dirty="0"/>
-          </a:p>
-        </p:txBody>
-      </p:sp>
-      <p:sp>
-        <p:nvSpPr>
-          <p:cNvPr id="9" name="Foliennummernplatzhalter 8"/>
-          <p:cNvSpPr>
-            <a:spLocks noGrp="1"/>
-          </p:cNvSpPr>
-          <p:nvPr>
-            <p:ph type="sldNum" sz="quarter" idx="12"/>
-          </p:nvPr>
-        </p:nvSpPr>
-        <p:spPr/>
-        <p:txBody>
-          <a:bodyPr/>
-          <a:lstStyle/>
-          <a:p>
-            <a:fld id="{990B41CA-569D-40E7-8E58-026C0338B2C8}" type="slidenum">
-              <a:rPr lang="en-US" smtClean="0"/>
-              <a:pPr/>
-              <a:t>7</a:t>
-            </a:fld>
-            <a:endParaRPr lang="en-US"/>
-          </a:p>
-        </p:txBody>
-      </p:sp>
-    </p:spTree>
-    <p:extLst>
-      <p:ext uri="{BB962C8B-B14F-4D97-AF65-F5344CB8AC3E}">
-        <p14:creationId xmlns:p14="http://schemas.microsoft.com/office/powerpoint/2010/main" val="2634211947"/>
+        <p14:creationId xmlns:p14="http://schemas.microsoft.com/office/powerpoint/2010/main" xmlns="" val="3542583579"/>
       </p:ext>
     </p:extLst>
   </p:cSld>
@@ -9497,41 +10720,13 @@
         </p:nvSpPr>
         <p:spPr/>
         <p:txBody>
-          <a:bodyPr>
-            <a:normAutofit fontScale="90000"/>
-          </a:bodyPr>
+          <a:bodyPr/>
           <a:lstStyle/>
           <a:p>
             <a:r>
-              <a:rPr lang="de-DE" dirty="0" smtClean="0"/>
-              <a:t>Detailkonzept</a:t>
-            </a:r>
-            <a:br>
-              <a:rPr lang="de-DE" dirty="0" smtClean="0"/>
-            </a:br>
-            <a:r>
-              <a:rPr lang="de-DE" dirty="0" smtClean="0"/>
-              <a:t>Datenbankschema - Event</a:t>
-            </a:r>
-            <a:endParaRPr lang="de-DE" dirty="0"/>
-          </a:p>
-        </p:txBody>
-      </p:sp>
-      <p:sp>
-        <p:nvSpPr>
-          <p:cNvPr id="3" name="Inhaltsplatzhalter 2"/>
-          <p:cNvSpPr>
-            <a:spLocks noGrp="1"/>
-          </p:cNvSpPr>
-          <p:nvPr>
-            <p:ph idx="1"/>
-          </p:nvPr>
-        </p:nvSpPr>
-        <p:spPr/>
-        <p:txBody>
-          <a:bodyPr/>
-          <a:lstStyle/>
-          <a:p>
+              <a:rPr lang="de-DE" dirty="0" err="1" smtClean="0"/>
+              <a:t>SpringRoo</a:t>
+            </a:r>
             <a:endParaRPr lang="de-DE" dirty="0"/>
           </a:p>
         </p:txBody>
@@ -9601,314 +10796,6 @@
               <a:rPr lang="en-US" smtClean="0"/>
               <a:pPr/>
               <a:t>8</a:t>
-            </a:fld>
-            <a:endParaRPr lang="en-US"/>
-          </a:p>
-        </p:txBody>
-      </p:sp>
-      <p:pic>
-        <p:nvPicPr>
-          <p:cNvPr id="1026" name="Picture 2"/>
-          <p:cNvPicPr>
-            <a:picLocks noChangeAspect="1" noChangeArrowheads="1"/>
-          </p:cNvPicPr>
-          <p:nvPr/>
-        </p:nvPicPr>
-        <p:blipFill>
-          <a:blip r:embed="rId3">
-            <a:extLst>
-              <a:ext uri="{28A0092B-C50C-407E-A947-70E740481C1C}">
-                <a14:useLocalDpi xmlns:a14="http://schemas.microsoft.com/office/drawing/2010/main" val="0"/>
-              </a:ext>
-            </a:extLst>
-          </a:blip>
-          <a:srcRect/>
-          <a:stretch>
-            <a:fillRect/>
-          </a:stretch>
-        </p:blipFill>
-        <p:spPr bwMode="auto">
-          <a:xfrm>
-            <a:off x="2915815" y="1451297"/>
-            <a:ext cx="4332709" cy="5171753"/>
-          </a:xfrm>
-          <a:prstGeom prst="rect">
-            <a:avLst/>
-          </a:prstGeom>
-          <a:noFill/>
-          <a:ln>
-            <a:noFill/>
-          </a:ln>
-          <a:effectLst/>
-          <a:extLst>
-            <a:ext uri="{909E8E84-426E-40DD-AFC4-6F175D3DCCD1}">
-              <a14:hiddenFill xmlns:a14="http://schemas.microsoft.com/office/drawing/2010/main">
-                <a:solidFill>
-                  <a:schemeClr val="accent1"/>
-                </a:solidFill>
-              </a14:hiddenFill>
-            </a:ext>
-            <a:ext uri="{91240B29-F687-4F45-9708-019B960494DF}">
-              <a14:hiddenLine xmlns:a14="http://schemas.microsoft.com/office/drawing/2010/main" w="9525">
-                <a:solidFill>
-                  <a:schemeClr val="tx1"/>
-                </a:solidFill>
-                <a:miter lim="800000"/>
-                <a:headEnd/>
-                <a:tailEnd/>
-              </a14:hiddenLine>
-            </a:ext>
-            <a:ext uri="{AF507438-7753-43E0-B8FC-AC1667EBCBE1}">
-              <a14:hiddenEffects xmlns:a14="http://schemas.microsoft.com/office/drawing/2010/main">
-                <a:effectLst>
-                  <a:outerShdw dist="35921" dir="2700000" algn="ctr" rotWithShape="0">
-                    <a:schemeClr val="bg2"/>
-                  </a:outerShdw>
-                </a:effectLst>
-              </a14:hiddenEffects>
-            </a:ext>
-          </a:extLst>
-        </p:spPr>
-      </p:pic>
-      <p:sp>
-        <p:nvSpPr>
-          <p:cNvPr id="7" name="Rechteck 6"/>
-          <p:cNvSpPr/>
-          <p:nvPr/>
-        </p:nvSpPr>
-        <p:spPr>
-          <a:xfrm>
-            <a:off x="2771800" y="2420888"/>
-            <a:ext cx="1512168" cy="2376264"/>
-          </a:xfrm>
-          <a:prstGeom prst="rect">
-            <a:avLst/>
-          </a:prstGeom>
-          <a:noFill/>
-        </p:spPr>
-        <p:style>
-          <a:lnRef idx="2">
-            <a:schemeClr val="accent1">
-              <a:shade val="50000"/>
-            </a:schemeClr>
-          </a:lnRef>
-          <a:fillRef idx="1">
-            <a:schemeClr val="accent1"/>
-          </a:fillRef>
-          <a:effectRef idx="0">
-            <a:schemeClr val="accent1"/>
-          </a:effectRef>
-          <a:fontRef idx="minor">
-            <a:schemeClr val="lt1"/>
-          </a:fontRef>
-        </p:style>
-        <p:txBody>
-          <a:bodyPr rtlCol="0" anchor="ctr"/>
-          <a:lstStyle/>
-          <a:p>
-            <a:pPr algn="ctr"/>
-            <a:endParaRPr lang="de-DE"/>
-          </a:p>
-        </p:txBody>
-      </p:sp>
-      <p:sp>
-        <p:nvSpPr>
-          <p:cNvPr id="9" name="Rechteck 8"/>
-          <p:cNvSpPr/>
-          <p:nvPr/>
-        </p:nvSpPr>
-        <p:spPr>
-          <a:xfrm>
-            <a:off x="4083932" y="1700808"/>
-            <a:ext cx="1224136" cy="1296144"/>
-          </a:xfrm>
-          <a:prstGeom prst="rect">
-            <a:avLst/>
-          </a:prstGeom>
-          <a:noFill/>
-        </p:spPr>
-        <p:style>
-          <a:lnRef idx="2">
-            <a:schemeClr val="accent1">
-              <a:shade val="50000"/>
-            </a:schemeClr>
-          </a:lnRef>
-          <a:fillRef idx="1">
-            <a:schemeClr val="accent1"/>
-          </a:fillRef>
-          <a:effectRef idx="0">
-            <a:schemeClr val="accent1"/>
-          </a:effectRef>
-          <a:fontRef idx="minor">
-            <a:schemeClr val="lt1"/>
-          </a:fontRef>
-        </p:style>
-        <p:txBody>
-          <a:bodyPr rtlCol="0" anchor="ctr"/>
-          <a:lstStyle/>
-          <a:p>
-            <a:pPr algn="ctr"/>
-            <a:endParaRPr lang="de-DE"/>
-          </a:p>
-        </p:txBody>
-      </p:sp>
-      <p:sp>
-        <p:nvSpPr>
-          <p:cNvPr id="8" name="Rechteck 7"/>
-          <p:cNvSpPr/>
-          <p:nvPr/>
-        </p:nvSpPr>
-        <p:spPr>
-          <a:xfrm>
-            <a:off x="4283968" y="3429000"/>
-            <a:ext cx="1152128" cy="2016224"/>
-          </a:xfrm>
-          <a:prstGeom prst="rect">
-            <a:avLst/>
-          </a:prstGeom>
-          <a:noFill/>
-        </p:spPr>
-        <p:style>
-          <a:lnRef idx="2">
-            <a:schemeClr val="accent6"/>
-          </a:lnRef>
-          <a:fillRef idx="1">
-            <a:schemeClr val="lt1"/>
-          </a:fillRef>
-          <a:effectRef idx="0">
-            <a:schemeClr val="accent6"/>
-          </a:effectRef>
-          <a:fontRef idx="minor">
-            <a:schemeClr val="dk1"/>
-          </a:fontRef>
-        </p:style>
-        <p:txBody>
-          <a:bodyPr rtlCol="0" anchor="ctr"/>
-          <a:lstStyle/>
-          <a:p>
-            <a:pPr algn="ctr"/>
-            <a:endParaRPr lang="de-DE"/>
-          </a:p>
-        </p:txBody>
-      </p:sp>
-    </p:spTree>
-    <p:extLst>
-      <p:ext uri="{BB962C8B-B14F-4D97-AF65-F5344CB8AC3E}">
-        <p14:creationId xmlns:p14="http://schemas.microsoft.com/office/powerpoint/2010/main" val="3243626544"/>
-      </p:ext>
-    </p:extLst>
-  </p:cSld>
-  <p:clrMapOvr>
-    <a:masterClrMapping/>
-  </p:clrMapOvr>
-</p:sld>
-</file>
-
-<file path=ppt/slides/slide9.xml><?xml version="1.0" encoding="utf-8"?>
-<p:sld xmlns:a="http://schemas.openxmlformats.org/drawingml/2006/main" xmlns:r="http://schemas.openxmlformats.org/officeDocument/2006/relationships" xmlns:p="http://schemas.openxmlformats.org/presentationml/2006/main">
-  <p:cSld>
-    <p:spTree>
-      <p:nvGrpSpPr>
-        <p:cNvPr id="1" name=""/>
-        <p:cNvGrpSpPr/>
-        <p:nvPr/>
-      </p:nvGrpSpPr>
-      <p:grpSpPr>
-        <a:xfrm>
-          <a:off x="0" y="0"/>
-          <a:ext cx="0" cy="0"/>
-          <a:chOff x="0" y="0"/>
-          <a:chExt cx="0" cy="0"/>
-        </a:xfrm>
-      </p:grpSpPr>
-      <p:sp>
-        <p:nvSpPr>
-          <p:cNvPr id="2" name="Titel 1"/>
-          <p:cNvSpPr>
-            <a:spLocks noGrp="1"/>
-          </p:cNvSpPr>
-          <p:nvPr>
-            <p:ph type="title"/>
-          </p:nvPr>
-        </p:nvSpPr>
-        <p:spPr/>
-        <p:txBody>
-          <a:bodyPr/>
-          <a:lstStyle/>
-          <a:p>
-            <a:r>
-              <a:rPr lang="de-DE" dirty="0" err="1" smtClean="0"/>
-              <a:t>SpringRoo</a:t>
-            </a:r>
-            <a:endParaRPr lang="de-DE" dirty="0"/>
-          </a:p>
-        </p:txBody>
-      </p:sp>
-      <p:sp>
-        <p:nvSpPr>
-          <p:cNvPr id="4" name="Datumsplatzhalter 3"/>
-          <p:cNvSpPr>
-            <a:spLocks noGrp="1"/>
-          </p:cNvSpPr>
-          <p:nvPr>
-            <p:ph type="dt" sz="half" idx="10"/>
-          </p:nvPr>
-        </p:nvSpPr>
-        <p:spPr/>
-        <p:txBody>
-          <a:bodyPr/>
-          <a:lstStyle/>
-          <a:p>
-            <a:r>
-              <a:rPr lang="de-DE" smtClean="0"/>
-              <a:t>21.04.2012</a:t>
-            </a:r>
-            <a:endParaRPr lang="en-US"/>
-          </a:p>
-        </p:txBody>
-      </p:sp>
-      <p:sp>
-        <p:nvSpPr>
-          <p:cNvPr id="5" name="Fußzeilenplatzhalter 4"/>
-          <p:cNvSpPr>
-            <a:spLocks noGrp="1"/>
-          </p:cNvSpPr>
-          <p:nvPr>
-            <p:ph type="ftr" sz="quarter" idx="11"/>
-          </p:nvPr>
-        </p:nvSpPr>
-        <p:spPr/>
-        <p:txBody>
-          <a:bodyPr/>
-          <a:lstStyle/>
-          <a:p>
-            <a:r>
-              <a:rPr lang="de-DE" smtClean="0"/>
-              <a:t>FST Projekt "Eventalizer" (SS 2012) Team 5</a:t>
-            </a:r>
-            <a:endParaRPr lang="de-DE" dirty="0"/>
-          </a:p>
-        </p:txBody>
-      </p:sp>
-      <p:sp>
-        <p:nvSpPr>
-          <p:cNvPr id="6" name="Foliennummernplatzhalter 5"/>
-          <p:cNvSpPr>
-            <a:spLocks noGrp="1"/>
-          </p:cNvSpPr>
-          <p:nvPr>
-            <p:ph type="sldNum" sz="quarter" idx="12"/>
-          </p:nvPr>
-        </p:nvSpPr>
-        <p:spPr/>
-        <p:txBody>
-          <a:bodyPr/>
-          <a:lstStyle/>
-          <a:p>
-            <a:fld id="{990B41CA-569D-40E7-8E58-026C0338B2C8}" type="slidenum">
-              <a:rPr lang="en-US" smtClean="0"/>
-              <a:pPr/>
-              <a:t>9</a:t>
             </a:fld>
             <a:endParaRPr lang="en-US"/>
           </a:p>
@@ -9951,9 +10838,152 @@
     </p:spTree>
     <p:extLst>
       <p:ext uri="{BB962C8B-B14F-4D97-AF65-F5344CB8AC3E}">
-        <p14:creationId xmlns:p14="http://schemas.microsoft.com/office/powerpoint/2010/main" val="141785747"/>
+        <p14:creationId xmlns:p14="http://schemas.microsoft.com/office/powerpoint/2010/main" xmlns="" val="141785747"/>
       </p:ext>
     </p:extLst>
+  </p:cSld>
+  <p:clrMapOvr>
+    <a:masterClrMapping/>
+  </p:clrMapOvr>
+</p:sld>
+</file>
+
+<file path=ppt/slides/slide9.xml><?xml version="1.0" encoding="utf-8"?>
+<p:sld xmlns:a="http://schemas.openxmlformats.org/drawingml/2006/main" xmlns:r="http://schemas.openxmlformats.org/officeDocument/2006/relationships" xmlns:p="http://schemas.openxmlformats.org/presentationml/2006/main">
+  <p:cSld>
+    <p:spTree>
+      <p:nvGrpSpPr>
+        <p:cNvPr id="1" name=""/>
+        <p:cNvGrpSpPr/>
+        <p:nvPr/>
+      </p:nvGrpSpPr>
+      <p:grpSpPr>
+        <a:xfrm>
+          <a:off x="0" y="0"/>
+          <a:ext cx="0" cy="0"/>
+          <a:chOff x="0" y="0"/>
+          <a:chExt cx="0" cy="0"/>
+        </a:xfrm>
+      </p:grpSpPr>
+      <p:sp>
+        <p:nvSpPr>
+          <p:cNvPr id="2" name="Titel 1"/>
+          <p:cNvSpPr>
+            <a:spLocks noGrp="1"/>
+          </p:cNvSpPr>
+          <p:nvPr>
+            <p:ph type="title"/>
+          </p:nvPr>
+        </p:nvSpPr>
+        <p:spPr/>
+        <p:txBody>
+          <a:bodyPr>
+            <a:normAutofit/>
+          </a:bodyPr>
+          <a:lstStyle/>
+          <a:p>
+            <a:r>
+              <a:rPr lang="de-DE" dirty="0" smtClean="0"/>
+              <a:t>Sequenzdiagramm Spring </a:t>
+            </a:r>
+            <a:r>
+              <a:rPr lang="de-DE" dirty="0" err="1" smtClean="0"/>
+              <a:t>Roo</a:t>
+            </a:r>
+            <a:endParaRPr lang="de-DE" dirty="0"/>
+          </a:p>
+        </p:txBody>
+      </p:sp>
+      <p:sp>
+        <p:nvSpPr>
+          <p:cNvPr id="10" name="Inhaltsplatzhalter 9"/>
+          <p:cNvSpPr>
+            <a:spLocks noGrp="1"/>
+          </p:cNvSpPr>
+          <p:nvPr>
+            <p:ph idx="1"/>
+          </p:nvPr>
+        </p:nvSpPr>
+        <p:spPr/>
+        <p:txBody>
+          <a:bodyPr/>
+          <a:lstStyle/>
+          <a:p>
+            <a:endParaRPr lang="de-DE"/>
+          </a:p>
+        </p:txBody>
+      </p:sp>
+      <p:sp>
+        <p:nvSpPr>
+          <p:cNvPr id="7" name="Datumsplatzhalter 6"/>
+          <p:cNvSpPr>
+            <a:spLocks noGrp="1"/>
+          </p:cNvSpPr>
+          <p:nvPr>
+            <p:ph type="dt" sz="half" idx="10"/>
+          </p:nvPr>
+        </p:nvSpPr>
+        <p:spPr/>
+        <p:txBody>
+          <a:bodyPr/>
+          <a:lstStyle/>
+          <a:p>
+            <a:r>
+              <a:rPr lang="de-DE" smtClean="0"/>
+              <a:t>21.04.2012</a:t>
+            </a:r>
+            <a:endParaRPr lang="en-US"/>
+          </a:p>
+        </p:txBody>
+      </p:sp>
+      <p:sp>
+        <p:nvSpPr>
+          <p:cNvPr id="8" name="Fußzeilenplatzhalter 7"/>
+          <p:cNvSpPr>
+            <a:spLocks noGrp="1"/>
+          </p:cNvSpPr>
+          <p:nvPr>
+            <p:ph type="ftr" sz="quarter" idx="11"/>
+          </p:nvPr>
+        </p:nvSpPr>
+        <p:spPr/>
+        <p:txBody>
+          <a:bodyPr/>
+          <a:lstStyle/>
+          <a:p>
+            <a:r>
+              <a:rPr lang="de-DE" smtClean="0"/>
+              <a:t>FST Projekt "Eventalizer" (SS 2012) Team 5</a:t>
+            </a:r>
+            <a:endParaRPr lang="de-DE" dirty="0"/>
+          </a:p>
+        </p:txBody>
+      </p:sp>
+      <p:sp>
+        <p:nvSpPr>
+          <p:cNvPr id="9" name="Foliennummernplatzhalter 8"/>
+          <p:cNvSpPr>
+            <a:spLocks noGrp="1"/>
+          </p:cNvSpPr>
+          <p:nvPr>
+            <p:ph type="sldNum" sz="quarter" idx="12"/>
+          </p:nvPr>
+        </p:nvSpPr>
+        <p:spPr/>
+        <p:txBody>
+          <a:bodyPr/>
+          <a:lstStyle/>
+          <a:p>
+            <a:fld id="{990B41CA-569D-40E7-8E58-026C0338B2C8}" type="slidenum">
+              <a:rPr lang="en-US" smtClean="0"/>
+              <a:pPr/>
+              <a:t>9</a:t>
+            </a:fld>
+            <a:endParaRPr lang="en-US"/>
+          </a:p>
+        </p:txBody>
+      </p:sp>
+    </p:spTree>
   </p:cSld>
   <p:clrMapOvr>
     <a:masterClrMapping/>
